--- a/report/汇报.pptx
+++ b/report/汇报.pptx
@@ -3,29 +3,29 @@
 <p:presentation xmlns:a="http://schemas.openxmlformats.org/drawingml/2006/main" xmlns:r="http://schemas.openxmlformats.org/officeDocument/2006/relationships" xmlns:p="http://schemas.openxmlformats.org/presentationml/2006/main">
   <p:sldMasterIdLst>
     <p:sldMasterId id="2147483648" r:id="rId1"/>
-    <p:sldMasterId id="2147483653" r:id="rId2"/>
+    <p:sldMasterId id="2147483653" r:id="rId3"/>
   </p:sldMasterIdLst>
   <p:notesMasterIdLst>
-    <p:notesMasterId r:id="rId15"/>
+    <p:notesMasterId r:id="rId16"/>
   </p:notesMasterIdLst>
   <p:sldIdLst>
-    <p:sldId id="15716977" r:id="rId3"/>
-    <p:sldId id="11088492" r:id="rId4"/>
-    <p:sldId id="11088493" r:id="rId5"/>
-    <p:sldId id="15717573" r:id="rId6"/>
-    <p:sldId id="15717574" r:id="rId7"/>
-    <p:sldId id="15717575" r:id="rId8"/>
-    <p:sldId id="15717580" r:id="rId9"/>
-    <p:sldId id="15717576" r:id="rId10"/>
-    <p:sldId id="15717581" r:id="rId11"/>
-    <p:sldId id="15717577" r:id="rId12"/>
-    <p:sldId id="15717578" r:id="rId13"/>
-    <p:sldId id="11088498" r:id="rId14"/>
+    <p:sldId id="15716977" r:id="rId4"/>
+    <p:sldId id="11088492" r:id="rId5"/>
+    <p:sldId id="11088493" r:id="rId6"/>
+    <p:sldId id="15717573" r:id="rId7"/>
+    <p:sldId id="15717574" r:id="rId8"/>
+    <p:sldId id="15717575" r:id="rId9"/>
+    <p:sldId id="15717580" r:id="rId10"/>
+    <p:sldId id="15717576" r:id="rId11"/>
+    <p:sldId id="15717581" r:id="rId12"/>
+    <p:sldId id="15717577" r:id="rId13"/>
+    <p:sldId id="15717578" r:id="rId14"/>
+    <p:sldId id="11088498" r:id="rId15"/>
   </p:sldIdLst>
   <p:sldSz cx="12192000" cy="6858000"/>
   <p:notesSz cx="6858000" cy="9144000"/>
   <p:custDataLst>
-    <p:tags r:id="rId16"/>
+    <p:tags r:id="rId20"/>
   </p:custDataLst>
   <p:defaultTextStyle>
     <a:defPPr>
@@ -122,11 +122,6 @@
       </a:defRPr>
     </a:lvl9pPr>
   </p:defaultTextStyle>
-  <p:extLst>
-    <p:ext uri="{EFAFB233-063F-42B5-8137-9DF3F51BA10A}">
-      <p15:sldGuideLst xmlns:p15="http://schemas.microsoft.com/office/powerpoint/2012/main"/>
-    </p:ext>
-  </p:extLst>
 </p:presentation>
 </file>
 
@@ -218,7 +213,6 @@
           <a:p>
             <a:fld id="{642ECDD8-75DC-4B9D-820F-93BFC8587810}" type="datetimeFigureOut">
               <a:rPr lang="zh-CN" altLang="en-US" smtClean="0"/>
-              <a:t>2024/4/25</a:t>
             </a:fld>
             <a:endParaRPr lang="zh-CN" altLang="en-US" dirty="0"/>
           </a:p>
@@ -285,6 +279,7 @@
               <a:rPr lang="zh-CN" altLang="en-US" dirty="0"/>
               <a:t>单击此处编辑母版文本样式</a:t>
             </a:r>
+            <a:endParaRPr lang="zh-CN" altLang="en-US" dirty="0"/>
           </a:p>
           <a:p>
             <a:pPr lvl="1"/>
@@ -292,6 +287,7 @@
               <a:rPr lang="zh-CN" altLang="en-US" dirty="0"/>
               <a:t>二级</a:t>
             </a:r>
+            <a:endParaRPr lang="zh-CN" altLang="en-US" dirty="0"/>
           </a:p>
           <a:p>
             <a:pPr lvl="2"/>
@@ -299,6 +295,7 @@
               <a:rPr lang="zh-CN" altLang="en-US" dirty="0"/>
               <a:t>三级</a:t>
             </a:r>
+            <a:endParaRPr lang="zh-CN" altLang="en-US" dirty="0"/>
           </a:p>
           <a:p>
             <a:pPr lvl="3"/>
@@ -306,6 +303,7 @@
               <a:rPr lang="zh-CN" altLang="en-US" dirty="0"/>
               <a:t>四级</a:t>
             </a:r>
+            <a:endParaRPr lang="zh-CN" altLang="en-US" dirty="0"/>
           </a:p>
           <a:p>
             <a:pPr lvl="4"/>
@@ -313,6 +311,7 @@
               <a:rPr lang="zh-CN" altLang="en-US" dirty="0"/>
               <a:t>五级</a:t>
             </a:r>
+            <a:endParaRPr lang="zh-CN" altLang="en-US" dirty="0"/>
           </a:p>
         </p:txBody>
       </p:sp>
@@ -382,7 +381,6 @@
           <a:p>
             <a:fld id="{29339845-FC04-4B72-946A-B2C4AD177CD5}" type="slidenum">
               <a:rPr lang="zh-CN" altLang="en-US" smtClean="0"/>
-              <a:t>‹#›</a:t>
             </a:fld>
             <a:endParaRPr lang="zh-CN" altLang="en-US" dirty="0"/>
           </a:p>
@@ -602,6 +600,15 @@
                 </a:rPr>
                 <a:t>请输入标题</a:t>
               </a:r>
+              <a:endParaRPr lang="zh-CN" altLang="en-US" sz="2800" dirty="0">
+                <a:solidFill>
+                  <a:schemeClr val="tx1"/>
+                </a:solidFill>
+                <a:latin typeface="OPPOSans M" panose="00020600040101010101" pitchFamily="18" charset="-122"/>
+                <a:ea typeface="OPPOSans M" panose="00020600040101010101" pitchFamily="18" charset="-122"/>
+                <a:cs typeface="OPPOSans M" panose="00020600040101010101" pitchFamily="18" charset="-122"/>
+                <a:sym typeface="OPPOSans R" panose="00020600040101010101" pitchFamily="18" charset="-122"/>
+              </a:endParaRPr>
             </a:p>
           </p:txBody>
         </p:sp>
@@ -989,6 +996,15 @@
                 </a:rPr>
                 <a:t>请输入标题</a:t>
               </a:r>
+              <a:endParaRPr lang="zh-CN" altLang="en-US" sz="2800" dirty="0">
+                <a:solidFill>
+                  <a:schemeClr val="tx1"/>
+                </a:solidFill>
+                <a:latin typeface="OPPOSans M" panose="00020600040101010101" pitchFamily="18" charset="-122"/>
+                <a:ea typeface="OPPOSans M" panose="00020600040101010101" pitchFamily="18" charset="-122"/>
+                <a:cs typeface="OPPOSans M" panose="00020600040101010101" pitchFamily="18" charset="-122"/>
+                <a:sym typeface="OPPOSans R" panose="00020600040101010101" pitchFamily="18" charset="-122"/>
+              </a:endParaRPr>
             </a:p>
           </p:txBody>
         </p:sp>
@@ -1957,6 +1973,18 @@
                 </a:rPr>
                 <a:t> 保险知识问答助手</a:t>
               </a:r>
+              <a:endParaRPr lang="zh-CN" altLang="en-US" sz="8800" dirty="0">
+                <a:solidFill>
+                  <a:schemeClr val="tx1">
+                    <a:lumMod val="75000"/>
+                    <a:lumOff val="25000"/>
+                  </a:schemeClr>
+                </a:solidFill>
+                <a:latin typeface="OPPOSans M" panose="00020600040101010101" pitchFamily="18" charset="-122"/>
+                <a:ea typeface="OPPOSans M" panose="00020600040101010101" pitchFamily="18" charset="-122"/>
+                <a:cs typeface="OPPOSans M" panose="00020600040101010101" pitchFamily="18" charset="-122"/>
+                <a:sym typeface="OPPOSans M" panose="00020600040101010101" pitchFamily="18" charset="-122"/>
+              </a:endParaRPr>
             </a:p>
           </p:txBody>
         </p:sp>
@@ -1995,6 +2023,15 @@
                 </a:rPr>
                 <a:t>Insurance Knowledge Q&amp;A Assistant</a:t>
               </a:r>
+              <a:endParaRPr lang="en-US" altLang="zh-CN" sz="2400" b="1" dirty="0">
+                <a:solidFill>
+                  <a:schemeClr val="accent1"/>
+                </a:solidFill>
+                <a:latin typeface="OPPOSans M" panose="00020600040101010101" pitchFamily="18" charset="-122"/>
+                <a:ea typeface="OPPOSans M" panose="00020600040101010101" pitchFamily="18" charset="-122"/>
+                <a:cs typeface="OPPOSans M" panose="00020600040101010101" pitchFamily="18" charset="-122"/>
+                <a:sym typeface="OPPOSans M" panose="00020600040101010101" pitchFamily="18" charset="-122"/>
+              </a:endParaRPr>
             </a:p>
           </p:txBody>
         </p:sp>
@@ -2143,6 +2180,18 @@
                     </a:rPr>
                     <a:t>组</a:t>
                   </a:r>
+                  <a:endParaRPr lang="zh-CN" altLang="en-US" sz="1600" dirty="0">
+                    <a:solidFill>
+                      <a:schemeClr val="tx1">
+                        <a:lumMod val="75000"/>
+                        <a:lumOff val="25000"/>
+                      </a:schemeClr>
+                    </a:solidFill>
+                    <a:latin typeface="OPPOSans M" panose="00020600040101010101" pitchFamily="18" charset="-122"/>
+                    <a:ea typeface="OPPOSans M" panose="00020600040101010101" pitchFamily="18" charset="-122"/>
+                    <a:cs typeface="OPPOSans M" panose="00020600040101010101" pitchFamily="18" charset="-122"/>
+                    <a:sym typeface="OPPOSans M" panose="00020600040101010101" pitchFamily="18" charset="-122"/>
+                  </a:endParaRPr>
                 </a:p>
               </p:txBody>
             </p:sp>
@@ -2265,6 +2314,18 @@
                     </a:rPr>
                     <a:t>2024.4.26</a:t>
                   </a:r>
+                  <a:endParaRPr lang="en-US" altLang="zh-CN" sz="1600" dirty="0">
+                    <a:solidFill>
+                      <a:schemeClr val="tx1">
+                        <a:lumMod val="75000"/>
+                        <a:lumOff val="25000"/>
+                      </a:schemeClr>
+                    </a:solidFill>
+                    <a:latin typeface="OPPOSans M" panose="00020600040101010101" pitchFamily="18" charset="-122"/>
+                    <a:ea typeface="OPPOSans M" panose="00020600040101010101" pitchFamily="18" charset="-122"/>
+                    <a:cs typeface="OPPOSans M" panose="00020600040101010101" pitchFamily="18" charset="-122"/>
+                    <a:sym typeface="OPPOSans M" panose="00020600040101010101" pitchFamily="18" charset="-122"/>
+                  </a:endParaRPr>
                 </a:p>
               </p:txBody>
             </p:sp>
@@ -4792,6 +4853,18 @@
                 </a:rPr>
                 <a:t>06</a:t>
               </a:r>
+              <a:endParaRPr lang="en-US" altLang="zh-CN" sz="1600" b="1" dirty="0">
+                <a:ln>
+                  <a:noFill/>
+                </a:ln>
+                <a:solidFill>
+                  <a:schemeClr val="bg1"/>
+                </a:solidFill>
+                <a:latin typeface="OPPOSans M" panose="00020600040101010101" pitchFamily="18" charset="-122"/>
+                <a:ea typeface="OPPOSans M" panose="00020600040101010101" pitchFamily="18" charset="-122"/>
+                <a:cs typeface="OPPOSans M" panose="00020600040101010101" pitchFamily="18" charset="-122"/>
+                <a:sym typeface="OPPOSans M" panose="00020600040101010101" pitchFamily="18" charset="-122"/>
+              </a:endParaRPr>
             </a:p>
           </p:txBody>
         </p:sp>
@@ -4837,17 +4910,65 @@
                   </a:gradFill>
                 </a:ln>
                 <a:noFill/>
-                <a:effectLst/>
                 <a:latin typeface="OPPOSans M" panose="00020600040101010101" pitchFamily="18" charset="-122"/>
                 <a:ea typeface="OPPOSans M" panose="00020600040101010101" pitchFamily="18" charset="-122"/>
                 <a:cs typeface="OPPOSans M" panose="00020600040101010101" pitchFamily="18" charset="-122"/>
                 <a:sym typeface="OPPOSans M" panose="00020600040101010101" pitchFamily="18" charset="-122"/>
               </a:rPr>
-              <a:t>OpenXLab体验</a:t>
+              <a:t>模型演示</a:t>
             </a:r>
+            <a:endParaRPr lang="zh-CN" altLang="en-US" sz="2400" dirty="0">
+              <a:ln w="15875">
+                <a:gradFill>
+                  <a:gsLst>
+                    <a:gs pos="0">
+                      <a:schemeClr val="accent1">
+                        <a:hueMod val="80000"/>
+                      </a:schemeClr>
+                    </a:gs>
+                    <a:gs pos="100000">
+                      <a:schemeClr val="accent1"/>
+                    </a:gs>
+                  </a:gsLst>
+                  <a:lin ang="2700000" scaled="1"/>
+                </a:gradFill>
+              </a:ln>
+              <a:noFill/>
+              <a:latin typeface="OPPOSans M" panose="00020600040101010101" pitchFamily="18" charset="-122"/>
+              <a:ea typeface="OPPOSans M" panose="00020600040101010101" pitchFamily="18" charset="-122"/>
+              <a:cs typeface="OPPOSans M" panose="00020600040101010101" pitchFamily="18" charset="-122"/>
+              <a:sym typeface="OPPOSans M" panose="00020600040101010101" pitchFamily="18" charset="-122"/>
+            </a:endParaRPr>
           </a:p>
         </p:txBody>
       </p:sp>
+      <p:pic>
+        <p:nvPicPr>
+          <p:cNvPr id="3" name="图片 2"/>
+          <p:cNvPicPr/>
+          <p:nvPr/>
+        </p:nvPicPr>
+        <p:blipFill>
+          <a:blip r:embed="rId1"/>
+          <a:srcRect l="28148" r="27962"/>
+          <a:stretch>
+            <a:fillRect/>
+          </a:stretch>
+        </p:blipFill>
+        <p:spPr>
+          <a:xfrm>
+            <a:off x="3564890" y="548005"/>
+            <a:ext cx="6516370" cy="5810885"/>
+          </a:xfrm>
+          <a:prstGeom prst="rect">
+            <a:avLst/>
+          </a:prstGeom>
+          <a:noFill/>
+          <a:ln w="9525">
+            <a:noFill/>
+          </a:ln>
+        </p:spPr>
+      </p:pic>
     </p:spTree>
   </p:cSld>
   <p:clrMapOvr>
@@ -6175,6 +6296,18 @@
                 </a:rPr>
                 <a:t>07</a:t>
               </a:r>
+              <a:endParaRPr lang="en-US" altLang="zh-CN" sz="1600" b="1" dirty="0">
+                <a:ln>
+                  <a:noFill/>
+                </a:ln>
+                <a:solidFill>
+                  <a:schemeClr val="bg1"/>
+                </a:solidFill>
+                <a:latin typeface="OPPOSans M" panose="00020600040101010101" pitchFamily="18" charset="-122"/>
+                <a:ea typeface="OPPOSans M" panose="00020600040101010101" pitchFamily="18" charset="-122"/>
+                <a:cs typeface="OPPOSans M" panose="00020600040101010101" pitchFamily="18" charset="-122"/>
+                <a:sym typeface="OPPOSans M" panose="00020600040101010101" pitchFamily="18" charset="-122"/>
+              </a:endParaRPr>
             </a:p>
           </p:txBody>
         </p:sp>
@@ -6228,6 +6361,29 @@
               </a:rPr>
               <a:t>未来展望</a:t>
             </a:r>
+            <a:endParaRPr lang="zh-CN" altLang="en-US" sz="2400" dirty="0">
+              <a:ln w="15875">
+                <a:gradFill>
+                  <a:gsLst>
+                    <a:gs pos="0">
+                      <a:schemeClr val="accent1">
+                        <a:hueMod val="80000"/>
+                      </a:schemeClr>
+                    </a:gs>
+                    <a:gs pos="100000">
+                      <a:schemeClr val="accent1"/>
+                    </a:gs>
+                  </a:gsLst>
+                  <a:lin ang="2700000" scaled="1"/>
+                </a:gradFill>
+              </a:ln>
+              <a:noFill/>
+              <a:effectLst/>
+              <a:latin typeface="OPPOSans M" panose="00020600040101010101" pitchFamily="18" charset="-122"/>
+              <a:ea typeface="OPPOSans M" panose="00020600040101010101" pitchFamily="18" charset="-122"/>
+              <a:cs typeface="OPPOSans M" panose="00020600040101010101" pitchFamily="18" charset="-122"/>
+              <a:sym typeface="OPPOSans M" panose="00020600040101010101" pitchFamily="18" charset="-122"/>
+            </a:endParaRPr>
           </a:p>
         </p:txBody>
       </p:sp>
@@ -6265,7 +6421,7 @@
               <p:cNvCxnSpPr/>
               <p:nvPr>
                 <p:custDataLst>
-                  <p:tags r:id="rId22"/>
+                  <p:tags r:id="rId1"/>
                 </p:custDataLst>
               </p:nvPr>
             </p:nvCxnSpPr>
@@ -6306,7 +6462,7 @@
               <p:cNvSpPr/>
               <p:nvPr>
                 <p:custDataLst>
-                  <p:tags r:id="rId23"/>
+                  <p:tags r:id="rId2"/>
                 </p:custDataLst>
               </p:nvPr>
             </p:nvSpPr>
@@ -6453,7 +6609,7 @@
               <p:cNvSpPr/>
               <p:nvPr>
                 <p:custDataLst>
-                  <p:tags r:id="rId24"/>
+                  <p:tags r:id="rId3"/>
                 </p:custDataLst>
               </p:nvPr>
             </p:nvSpPr>
@@ -6616,7 +6772,7 @@
                 <p:cNvCxnSpPr/>
                 <p:nvPr>
                   <p:custDataLst>
-                    <p:tags r:id="rId26"/>
+                    <p:tags r:id="rId4"/>
                   </p:custDataLst>
                 </p:nvPr>
               </p:nvCxnSpPr>
@@ -6655,7 +6811,7 @@
                 <p:cNvSpPr/>
                 <p:nvPr>
                   <p:custDataLst>
-                    <p:tags r:id="rId27"/>
+                    <p:tags r:id="rId5"/>
                   </p:custDataLst>
                 </p:nvPr>
               </p:nvSpPr>
@@ -6802,6 +6958,21 @@
                     </a:rPr>
                     <a:t>模型优化</a:t>
                   </a:r>
+                  <a:endParaRPr kumimoji="0" lang="zh-CN" altLang="en-US" sz="2800" b="1" i="0" u="none" strike="noStrike" kern="1200" cap="none" spc="0" normalizeH="0" baseline="0" noProof="0" dirty="0">
+                    <a:ln>
+                      <a:noFill/>
+                    </a:ln>
+                    <a:solidFill>
+                      <a:schemeClr val="bg1"/>
+                    </a:solidFill>
+                    <a:effectLst/>
+                    <a:uLnTx/>
+                    <a:uFillTx/>
+                    <a:latin typeface="OPPOSans R" panose="00020600040101010101" pitchFamily="18" charset="-122"/>
+                    <a:ea typeface="OPPOSans R" panose="00020600040101010101" pitchFamily="18" charset="-122"/>
+                    <a:cs typeface="OPPOSans R" panose="00020600040101010101" pitchFamily="18" charset="-122"/>
+                    <a:sym typeface="Calibri" panose="020F0502020204030204" pitchFamily="34" charset="0"/>
+                  </a:endParaRPr>
                 </a:p>
               </p:txBody>
             </p:sp>
@@ -6811,7 +6982,7 @@
                 <p:cNvSpPr/>
                 <p:nvPr>
                   <p:custDataLst>
-                    <p:tags r:id="rId28"/>
+                    <p:tags r:id="rId6"/>
                   </p:custDataLst>
                 </p:nvPr>
               </p:nvSpPr>
@@ -6958,6 +7129,21 @@
                     </a:rPr>
                     <a:t>进一步微调和优化基于InternLM的7B模型，以提高问答准确性和覆盖范围。</a:t>
                   </a:r>
+                  <a:endParaRPr kumimoji="0" lang="zh-CN" altLang="en-US" sz="1400" b="0" i="0" u="none" strike="noStrike" kern="1200" cap="none" spc="0" normalizeH="0" baseline="0" noProof="0" dirty="0">
+                    <a:ln>
+                      <a:noFill/>
+                    </a:ln>
+                    <a:solidFill>
+                      <a:schemeClr val="bg1"/>
+                    </a:solidFill>
+                    <a:effectLst/>
+                    <a:uLnTx/>
+                    <a:uFillTx/>
+                    <a:latin typeface="OPPOSans R" panose="00020600040101010101" pitchFamily="18" charset="-122"/>
+                    <a:ea typeface="OPPOSans R" panose="00020600040101010101" pitchFamily="18" charset="-122"/>
+                    <a:cs typeface="OPPOSans R" panose="00020600040101010101" pitchFamily="18" charset="-122"/>
+                    <a:sym typeface="Calibri" panose="020F0502020204030204" pitchFamily="34" charset="0"/>
+                  </a:endParaRPr>
                 </a:p>
               </p:txBody>
             </p:sp>
@@ -6970,7 +7156,7 @@
               </p:cNvSpPr>
               <p:nvPr>
                 <p:custDataLst>
-                  <p:tags r:id="rId25"/>
+                  <p:tags r:id="rId7"/>
                 </p:custDataLst>
               </p:nvPr>
             </p:nvSpPr>
@@ -8156,7 +8342,7 @@
               <p:cNvCxnSpPr/>
               <p:nvPr>
                 <p:custDataLst>
-                  <p:tags r:id="rId15"/>
+                  <p:tags r:id="rId8"/>
                 </p:custDataLst>
               </p:nvPr>
             </p:nvCxnSpPr>
@@ -8197,7 +8383,7 @@
               <p:cNvSpPr/>
               <p:nvPr>
                 <p:custDataLst>
-                  <p:tags r:id="rId16"/>
+                  <p:tags r:id="rId9"/>
                 </p:custDataLst>
               </p:nvPr>
             </p:nvSpPr>
@@ -8344,7 +8530,7 @@
               <p:cNvSpPr/>
               <p:nvPr>
                 <p:custDataLst>
-                  <p:tags r:id="rId17"/>
+                  <p:tags r:id="rId10"/>
                 </p:custDataLst>
               </p:nvPr>
             </p:nvSpPr>
@@ -8507,7 +8693,7 @@
                 <p:cNvCxnSpPr/>
                 <p:nvPr>
                   <p:custDataLst>
-                    <p:tags r:id="rId19"/>
+                    <p:tags r:id="rId11"/>
                   </p:custDataLst>
                 </p:nvPr>
               </p:nvCxnSpPr>
@@ -8546,7 +8732,7 @@
                 <p:cNvSpPr/>
                 <p:nvPr>
                   <p:custDataLst>
-                    <p:tags r:id="rId20"/>
+                    <p:tags r:id="rId12"/>
                   </p:custDataLst>
                 </p:nvPr>
               </p:nvSpPr>
@@ -8693,6 +8879,21 @@
                     </a:rPr>
                     <a:t>数据集扩充</a:t>
                   </a:r>
+                  <a:endParaRPr kumimoji="0" lang="zh-CN" altLang="en-US" sz="2800" b="1" i="0" u="none" strike="noStrike" kern="1200" cap="none" spc="0" normalizeH="0" baseline="0" noProof="0" dirty="0">
+                    <a:ln>
+                      <a:noFill/>
+                    </a:ln>
+                    <a:solidFill>
+                      <a:schemeClr val="bg1"/>
+                    </a:solidFill>
+                    <a:effectLst/>
+                    <a:uLnTx/>
+                    <a:uFillTx/>
+                    <a:latin typeface="OPPOSans R" panose="00020600040101010101" pitchFamily="18" charset="-122"/>
+                    <a:ea typeface="OPPOSans R" panose="00020600040101010101" pitchFamily="18" charset="-122"/>
+                    <a:cs typeface="OPPOSans R" panose="00020600040101010101" pitchFamily="18" charset="-122"/>
+                    <a:sym typeface="Calibri" panose="020F0502020204030204" pitchFamily="34" charset="0"/>
+                  </a:endParaRPr>
                 </a:p>
               </p:txBody>
             </p:sp>
@@ -8702,7 +8903,7 @@
                 <p:cNvSpPr/>
                 <p:nvPr>
                   <p:custDataLst>
-                    <p:tags r:id="rId21"/>
+                    <p:tags r:id="rId13"/>
                   </p:custDataLst>
                 </p:nvPr>
               </p:nvSpPr>
@@ -8849,6 +9050,21 @@
                     </a:rPr>
                     <a:t>加入更多涵盖不同场景的数据，提升助手对保险领域的覆盖范围和深度。</a:t>
                   </a:r>
+                  <a:endParaRPr kumimoji="0" lang="zh-CN" altLang="en-US" sz="1400" b="0" i="0" u="none" strike="noStrike" kern="1200" cap="none" spc="0" normalizeH="0" baseline="0" noProof="0" dirty="0">
+                    <a:ln>
+                      <a:noFill/>
+                    </a:ln>
+                    <a:solidFill>
+                      <a:schemeClr val="bg1"/>
+                    </a:solidFill>
+                    <a:effectLst/>
+                    <a:uLnTx/>
+                    <a:uFillTx/>
+                    <a:latin typeface="OPPOSans R" panose="00020600040101010101" pitchFamily="18" charset="-122"/>
+                    <a:ea typeface="OPPOSans R" panose="00020600040101010101" pitchFamily="18" charset="-122"/>
+                    <a:cs typeface="OPPOSans R" panose="00020600040101010101" pitchFamily="18" charset="-122"/>
+                    <a:sym typeface="Calibri" panose="020F0502020204030204" pitchFamily="34" charset="0"/>
+                  </a:endParaRPr>
                 </a:p>
               </p:txBody>
             </p:sp>
@@ -8861,7 +9077,7 @@
               </p:cNvSpPr>
               <p:nvPr>
                 <p:custDataLst>
-                  <p:tags r:id="rId18"/>
+                  <p:tags r:id="rId14"/>
                 </p:custDataLst>
               </p:nvPr>
             </p:nvSpPr>
@@ -10268,7 +10484,7 @@
               <p:cNvCxnSpPr/>
               <p:nvPr>
                 <p:custDataLst>
-                  <p:tags r:id="rId8"/>
+                  <p:tags r:id="rId15"/>
                 </p:custDataLst>
               </p:nvPr>
             </p:nvCxnSpPr>
@@ -10309,7 +10525,7 @@
               <p:cNvSpPr/>
               <p:nvPr>
                 <p:custDataLst>
-                  <p:tags r:id="rId9"/>
+                  <p:tags r:id="rId16"/>
                 </p:custDataLst>
               </p:nvPr>
             </p:nvSpPr>
@@ -10456,7 +10672,7 @@
               <p:cNvSpPr/>
               <p:nvPr>
                 <p:custDataLst>
-                  <p:tags r:id="rId10"/>
+                  <p:tags r:id="rId17"/>
                 </p:custDataLst>
               </p:nvPr>
             </p:nvSpPr>
@@ -10619,7 +10835,7 @@
                 <p:cNvCxnSpPr/>
                 <p:nvPr>
                   <p:custDataLst>
-                    <p:tags r:id="rId12"/>
+                    <p:tags r:id="rId18"/>
                   </p:custDataLst>
                 </p:nvPr>
               </p:nvCxnSpPr>
@@ -10658,7 +10874,7 @@
                 <p:cNvSpPr/>
                 <p:nvPr>
                   <p:custDataLst>
-                    <p:tags r:id="rId13"/>
+                    <p:tags r:id="rId19"/>
                   </p:custDataLst>
                 </p:nvPr>
               </p:nvSpPr>
@@ -10805,6 +11021,21 @@
                     </a:rPr>
                     <a:t>多语言支持</a:t>
                   </a:r>
+                  <a:endParaRPr kumimoji="0" lang="zh-CN" altLang="en-US" sz="2800" b="1" i="0" u="none" strike="noStrike" kern="1200" cap="none" spc="0" normalizeH="0" baseline="0" noProof="0" dirty="0">
+                    <a:ln>
+                      <a:noFill/>
+                    </a:ln>
+                    <a:solidFill>
+                      <a:schemeClr val="bg1"/>
+                    </a:solidFill>
+                    <a:effectLst/>
+                    <a:uLnTx/>
+                    <a:uFillTx/>
+                    <a:latin typeface="OPPOSans R" panose="00020600040101010101" pitchFamily="18" charset="-122"/>
+                    <a:ea typeface="OPPOSans R" panose="00020600040101010101" pitchFamily="18" charset="-122"/>
+                    <a:cs typeface="OPPOSans R" panose="00020600040101010101" pitchFamily="18" charset="-122"/>
+                    <a:sym typeface="Calibri" panose="020F0502020204030204" pitchFamily="34" charset="0"/>
+                  </a:endParaRPr>
                 </a:p>
               </p:txBody>
             </p:sp>
@@ -10814,7 +11045,7 @@
                 <p:cNvSpPr/>
                 <p:nvPr>
                   <p:custDataLst>
-                    <p:tags r:id="rId14"/>
+                    <p:tags r:id="rId20"/>
                   </p:custDataLst>
                 </p:nvPr>
               </p:nvSpPr>
@@ -10961,6 +11192,21 @@
                     </a:rPr>
                     <a:t>考虑引入多语言支持，使助手能够服务更广泛的用户群体。</a:t>
                   </a:r>
+                  <a:endParaRPr kumimoji="0" lang="zh-CN" altLang="en-US" sz="1400" b="0" i="0" u="none" strike="noStrike" kern="1200" cap="none" spc="0" normalizeH="0" baseline="0" noProof="0" dirty="0">
+                    <a:ln>
+                      <a:noFill/>
+                    </a:ln>
+                    <a:solidFill>
+                      <a:schemeClr val="bg1"/>
+                    </a:solidFill>
+                    <a:effectLst/>
+                    <a:uLnTx/>
+                    <a:uFillTx/>
+                    <a:latin typeface="OPPOSans R" panose="00020600040101010101" pitchFamily="18" charset="-122"/>
+                    <a:ea typeface="OPPOSans R" panose="00020600040101010101" pitchFamily="18" charset="-122"/>
+                    <a:cs typeface="OPPOSans R" panose="00020600040101010101" pitchFamily="18" charset="-122"/>
+                    <a:sym typeface="Calibri" panose="020F0502020204030204" pitchFamily="34" charset="0"/>
+                  </a:endParaRPr>
                 </a:p>
               </p:txBody>
             </p:sp>
@@ -10973,7 +11219,7 @@
               </p:cNvSpPr>
               <p:nvPr>
                 <p:custDataLst>
-                  <p:tags r:id="rId11"/>
+                  <p:tags r:id="rId21"/>
                 </p:custDataLst>
               </p:nvPr>
             </p:nvSpPr>
@@ -11659,7 +11905,7 @@
               <p:cNvCxnSpPr/>
               <p:nvPr>
                 <p:custDataLst>
-                  <p:tags r:id="rId1"/>
+                  <p:tags r:id="rId22"/>
                 </p:custDataLst>
               </p:nvPr>
             </p:nvCxnSpPr>
@@ -11700,7 +11946,7 @@
               <p:cNvSpPr/>
               <p:nvPr>
                 <p:custDataLst>
-                  <p:tags r:id="rId2"/>
+                  <p:tags r:id="rId23"/>
                 </p:custDataLst>
               </p:nvPr>
             </p:nvSpPr>
@@ -11847,7 +12093,7 @@
               <p:cNvSpPr/>
               <p:nvPr>
                 <p:custDataLst>
-                  <p:tags r:id="rId3"/>
+                  <p:tags r:id="rId24"/>
                 </p:custDataLst>
               </p:nvPr>
             </p:nvSpPr>
@@ -12010,7 +12256,7 @@
                 <p:cNvCxnSpPr/>
                 <p:nvPr>
                   <p:custDataLst>
-                    <p:tags r:id="rId5"/>
+                    <p:tags r:id="rId25"/>
                   </p:custDataLst>
                 </p:nvPr>
               </p:nvCxnSpPr>
@@ -12049,7 +12295,7 @@
                 <p:cNvSpPr/>
                 <p:nvPr>
                   <p:custDataLst>
-                    <p:tags r:id="rId6"/>
+                    <p:tags r:id="rId26"/>
                   </p:custDataLst>
                 </p:nvPr>
               </p:nvSpPr>
@@ -12196,6 +12442,21 @@
                     </a:rPr>
                     <a:t>智能对话</a:t>
                   </a:r>
+                  <a:endParaRPr kumimoji="0" lang="zh-CN" altLang="en-US" sz="2800" b="1" i="0" u="none" strike="noStrike" kern="1200" cap="none" spc="0" normalizeH="0" baseline="0" noProof="0" dirty="0">
+                    <a:ln>
+                      <a:noFill/>
+                    </a:ln>
+                    <a:solidFill>
+                      <a:schemeClr val="bg1"/>
+                    </a:solidFill>
+                    <a:effectLst/>
+                    <a:uLnTx/>
+                    <a:uFillTx/>
+                    <a:latin typeface="OPPOSans R" panose="00020600040101010101" pitchFamily="18" charset="-122"/>
+                    <a:ea typeface="OPPOSans R" panose="00020600040101010101" pitchFamily="18" charset="-122"/>
+                    <a:cs typeface="OPPOSans R" panose="00020600040101010101" pitchFamily="18" charset="-122"/>
+                    <a:sym typeface="Calibri" panose="020F0502020204030204" pitchFamily="34" charset="0"/>
+                  </a:endParaRPr>
                 </a:p>
               </p:txBody>
             </p:sp>
@@ -12205,7 +12466,7 @@
                 <p:cNvSpPr/>
                 <p:nvPr>
                   <p:custDataLst>
-                    <p:tags r:id="rId7"/>
+                    <p:tags r:id="rId27"/>
                   </p:custDataLst>
                 </p:nvPr>
               </p:nvSpPr>
@@ -12352,6 +12613,21 @@
                     </a:rPr>
                     <a:t>引入更多的对话式功能，使用户能够进行更个性化的保险咨询和指导。</a:t>
                   </a:r>
+                  <a:endParaRPr kumimoji="0" lang="zh-CN" altLang="en-US" sz="1400" b="0" i="0" u="none" strike="noStrike" kern="1200" cap="none" spc="0" normalizeH="0" baseline="0" noProof="0" dirty="0">
+                    <a:ln>
+                      <a:noFill/>
+                    </a:ln>
+                    <a:solidFill>
+                      <a:schemeClr val="bg1"/>
+                    </a:solidFill>
+                    <a:effectLst/>
+                    <a:uLnTx/>
+                    <a:uFillTx/>
+                    <a:latin typeface="OPPOSans R" panose="00020600040101010101" pitchFamily="18" charset="-122"/>
+                    <a:ea typeface="OPPOSans R" panose="00020600040101010101" pitchFamily="18" charset="-122"/>
+                    <a:cs typeface="OPPOSans R" panose="00020600040101010101" pitchFamily="18" charset="-122"/>
+                    <a:sym typeface="Calibri" panose="020F0502020204030204" pitchFamily="34" charset="0"/>
+                  </a:endParaRPr>
                 </a:p>
               </p:txBody>
             </p:sp>
@@ -12364,7 +12640,7 @@
               </p:cNvSpPr>
               <p:nvPr>
                 <p:custDataLst>
-                  <p:tags r:id="rId4"/>
+                  <p:tags r:id="rId28"/>
                 </p:custDataLst>
               </p:nvPr>
             </p:nvSpPr>
@@ -13627,6 +13903,24 @@
                 </a:rPr>
                 <a:t>感谢您的观看</a:t>
               </a:r>
+              <a:endParaRPr kumimoji="0" lang="zh-CN" altLang="en-US" sz="8800" b="0" i="0" u="none" strike="noStrike" kern="1200" cap="none" spc="0" normalizeH="0" baseline="0" noProof="0" dirty="0">
+                <a:ln>
+                  <a:noFill/>
+                </a:ln>
+                <a:solidFill>
+                  <a:srgbClr val="000000">
+                    <a:lumMod val="75000"/>
+                    <a:lumOff val="25000"/>
+                  </a:srgbClr>
+                </a:solidFill>
+                <a:effectLst/>
+                <a:uLnTx/>
+                <a:uFillTx/>
+                <a:latin typeface="OPPOSans M" panose="00020600040101010101" pitchFamily="18" charset="-122"/>
+                <a:ea typeface="OPPOSans M" panose="00020600040101010101" pitchFamily="18" charset="-122"/>
+                <a:cs typeface="OPPOSans M" panose="00020600040101010101" pitchFamily="18" charset="-122"/>
+                <a:sym typeface="OPPOSans M" panose="00020600040101010101" pitchFamily="18" charset="-122"/>
+              </a:endParaRPr>
             </a:p>
           </p:txBody>
         </p:sp>
@@ -13686,6 +13980,21 @@
                 </a:rPr>
                 <a:t>Thank you for watching</a:t>
               </a:r>
+              <a:endParaRPr kumimoji="0" lang="en-US" altLang="zh-CN" sz="2400" b="1" i="0" u="none" strike="noStrike" kern="1200" cap="none" spc="0" normalizeH="0" baseline="0" noProof="0" dirty="0">
+                <a:ln>
+                  <a:noFill/>
+                </a:ln>
+                <a:solidFill>
+                  <a:srgbClr val="4F7DE2"/>
+                </a:solidFill>
+                <a:effectLst/>
+                <a:uLnTx/>
+                <a:uFillTx/>
+                <a:latin typeface="OPPOSans M" panose="00020600040101010101" pitchFamily="18" charset="-122"/>
+                <a:ea typeface="OPPOSans M" panose="00020600040101010101" pitchFamily="18" charset="-122"/>
+                <a:cs typeface="OPPOSans M" panose="00020600040101010101" pitchFamily="18" charset="-122"/>
+                <a:sym typeface="OPPOSans M" panose="00020600040101010101" pitchFamily="18" charset="-122"/>
+              </a:endParaRPr>
             </a:p>
           </p:txBody>
         </p:sp>
@@ -16737,6 +17046,19 @@
                 </a:rPr>
                 <a:t>目录</a:t>
               </a:r>
+              <a:endParaRPr kumimoji="0" lang="zh-CN" altLang="en-US" sz="4400" i="0" u="none" strike="noStrike" kern="1200" cap="none" spc="0" normalizeH="0" baseline="0" noProof="0" dirty="0">
+                <a:ln>
+                  <a:noFill/>
+                </a:ln>
+                <a:solidFill>
+                  <a:schemeClr val="accent1"/>
+                </a:solidFill>
+                <a:uLnTx/>
+                <a:uFillTx/>
+                <a:latin typeface="OPPOSans B" panose="00020600040101010101" pitchFamily="18" charset="-122"/>
+                <a:ea typeface="OPPOSans B" panose="00020600040101010101" pitchFamily="18" charset="-122"/>
+                <a:cs typeface="OPPOSans B" panose="00020600040101010101" pitchFamily="18" charset="-122"/>
+              </a:endParaRPr>
             </a:p>
           </p:txBody>
         </p:sp>
@@ -16761,7 +17083,7 @@
             <p:cNvSpPr txBox="1"/>
             <p:nvPr>
               <p:custDataLst>
-                <p:tags r:id="rId19"/>
+                <p:tags r:id="rId1"/>
               </p:custDataLst>
             </p:nvPr>
           </p:nvSpPr>
@@ -16914,6 +17236,21 @@
                 </a:rPr>
                 <a:t>01</a:t>
               </a:r>
+              <a:endParaRPr kumimoji="0" lang="en-US" altLang="zh-CN" sz="2000" b="0" i="0" u="none" strike="noStrike" kern="1200" cap="none" spc="0" normalizeH="0" baseline="0" noProof="0" dirty="0">
+                <a:ln>
+                  <a:noFill/>
+                </a:ln>
+                <a:solidFill>
+                  <a:schemeClr val="accent2"/>
+                </a:solidFill>
+                <a:effectLst/>
+                <a:uLnTx/>
+                <a:uFillTx/>
+                <a:latin typeface="OPPOSans B" panose="00020600040101010101" pitchFamily="18" charset="-122"/>
+                <a:ea typeface="OPPOSans B" panose="00020600040101010101" pitchFamily="18" charset="-122"/>
+                <a:cs typeface="OPPOSans B" panose="00020600040101010101" pitchFamily="18" charset="-122"/>
+                <a:sym typeface="Century Gothic" panose="020B0502020202020204" pitchFamily="34" charset="0"/>
+              </a:endParaRPr>
             </a:p>
           </p:txBody>
         </p:sp>
@@ -16923,7 +17260,7 @@
             <p:cNvCxnSpPr/>
             <p:nvPr>
               <p:custDataLst>
-                <p:tags r:id="rId20"/>
+                <p:tags r:id="rId2"/>
               </p:custDataLst>
             </p:nvPr>
           </p:nvCxnSpPr>
@@ -16962,7 +17299,7 @@
             <p:cNvSpPr txBox="1"/>
             <p:nvPr>
               <p:custDataLst>
-                <p:tags r:id="rId21"/>
+                <p:tags r:id="rId3"/>
               </p:custDataLst>
             </p:nvPr>
           </p:nvSpPr>
@@ -17112,6 +17449,23 @@
                 </a:rPr>
                 <a:t>项目背景</a:t>
               </a:r>
+              <a:endParaRPr kumimoji="0" lang="zh-CN" altLang="en-US" i="0" u="none" strike="noStrike" kern="0" cap="none" spc="0" normalizeH="0" baseline="0" noProof="0" dirty="0">
+                <a:ln>
+                  <a:noFill/>
+                </a:ln>
+                <a:solidFill>
+                  <a:schemeClr val="tx1">
+                    <a:lumMod val="85000"/>
+                    <a:lumOff val="15000"/>
+                  </a:schemeClr>
+                </a:solidFill>
+                <a:effectLst/>
+                <a:uLnTx/>
+                <a:uFillTx/>
+                <a:latin typeface="OPPOSans B" panose="00020600040101010101" pitchFamily="18" charset="-122"/>
+                <a:ea typeface="OPPOSans B" panose="00020600040101010101" pitchFamily="18" charset="-122"/>
+                <a:cs typeface="OPPOSans B" panose="00020600040101010101" pitchFamily="18" charset="-122"/>
+              </a:endParaRPr>
             </a:p>
           </p:txBody>
         </p:sp>
@@ -17136,7 +17490,7 @@
             <p:cNvSpPr txBox="1"/>
             <p:nvPr>
               <p:custDataLst>
-                <p:tags r:id="rId16"/>
+                <p:tags r:id="rId4"/>
               </p:custDataLst>
             </p:nvPr>
           </p:nvSpPr>
@@ -17289,6 +17643,21 @@
                 </a:rPr>
                 <a:t>05</a:t>
               </a:r>
+              <a:endParaRPr kumimoji="0" lang="en-US" altLang="zh-CN" sz="2000" b="0" i="0" u="none" strike="noStrike" kern="1200" cap="none" spc="0" normalizeH="0" baseline="0" noProof="0" dirty="0">
+                <a:ln>
+                  <a:noFill/>
+                </a:ln>
+                <a:solidFill>
+                  <a:schemeClr val="accent2"/>
+                </a:solidFill>
+                <a:effectLst/>
+                <a:uLnTx/>
+                <a:uFillTx/>
+                <a:latin typeface="OPPOSans B" panose="00020600040101010101" pitchFamily="18" charset="-122"/>
+                <a:ea typeface="OPPOSans B" panose="00020600040101010101" pitchFamily="18" charset="-122"/>
+                <a:cs typeface="OPPOSans B" panose="00020600040101010101" pitchFamily="18" charset="-122"/>
+                <a:sym typeface="Century Gothic" panose="020B0502020202020204" pitchFamily="34" charset="0"/>
+              </a:endParaRPr>
             </a:p>
           </p:txBody>
         </p:sp>
@@ -17298,7 +17667,7 @@
             <p:cNvCxnSpPr/>
             <p:nvPr>
               <p:custDataLst>
-                <p:tags r:id="rId17"/>
+                <p:tags r:id="rId5"/>
               </p:custDataLst>
             </p:nvPr>
           </p:nvCxnSpPr>
@@ -17337,7 +17706,7 @@
             <p:cNvSpPr txBox="1"/>
             <p:nvPr>
               <p:custDataLst>
-                <p:tags r:id="rId18"/>
+                <p:tags r:id="rId6"/>
               </p:custDataLst>
             </p:nvPr>
           </p:nvSpPr>
@@ -17487,6 +17856,23 @@
                 </a:rPr>
                 <a:t>模型训练</a:t>
               </a:r>
+              <a:endParaRPr kumimoji="0" lang="zh-CN" altLang="en-US" i="0" u="none" strike="noStrike" kern="0" cap="none" spc="0" normalizeH="0" baseline="0" noProof="0" dirty="0">
+                <a:ln>
+                  <a:noFill/>
+                </a:ln>
+                <a:solidFill>
+                  <a:schemeClr val="tx1">
+                    <a:lumMod val="85000"/>
+                    <a:lumOff val="15000"/>
+                  </a:schemeClr>
+                </a:solidFill>
+                <a:effectLst/>
+                <a:uLnTx/>
+                <a:uFillTx/>
+                <a:latin typeface="OPPOSans B" panose="00020600040101010101" pitchFamily="18" charset="-122"/>
+                <a:ea typeface="OPPOSans B" panose="00020600040101010101" pitchFamily="18" charset="-122"/>
+                <a:cs typeface="OPPOSans B" panose="00020600040101010101" pitchFamily="18" charset="-122"/>
+              </a:endParaRPr>
             </a:p>
           </p:txBody>
         </p:sp>
@@ -17525,7 +17911,7 @@
               <p:cNvSpPr txBox="1"/>
               <p:nvPr>
                 <p:custDataLst>
-                  <p:tags r:id="rId13"/>
+                  <p:tags r:id="rId7"/>
                 </p:custDataLst>
               </p:nvPr>
             </p:nvSpPr>
@@ -17678,6 +18064,21 @@
                   </a:rPr>
                   <a:t>02</a:t>
                 </a:r>
+                <a:endParaRPr kumimoji="0" lang="en-US" altLang="zh-CN" sz="2000" b="0" i="0" u="none" strike="noStrike" kern="1200" cap="none" spc="0" normalizeH="0" baseline="0" noProof="0" dirty="0">
+                  <a:ln>
+                    <a:noFill/>
+                  </a:ln>
+                  <a:solidFill>
+                    <a:schemeClr val="accent2"/>
+                  </a:solidFill>
+                  <a:effectLst/>
+                  <a:uLnTx/>
+                  <a:uFillTx/>
+                  <a:latin typeface="OPPOSans B" panose="00020600040101010101" pitchFamily="18" charset="-122"/>
+                  <a:ea typeface="OPPOSans B" panose="00020600040101010101" pitchFamily="18" charset="-122"/>
+                  <a:cs typeface="OPPOSans B" panose="00020600040101010101" pitchFamily="18" charset="-122"/>
+                  <a:sym typeface="Century Gothic" panose="020B0502020202020204" pitchFamily="34" charset="0"/>
+                </a:endParaRPr>
               </a:p>
             </p:txBody>
           </p:sp>
@@ -17687,7 +18088,7 @@
               <p:cNvCxnSpPr/>
               <p:nvPr>
                 <p:custDataLst>
-                  <p:tags r:id="rId14"/>
+                  <p:tags r:id="rId8"/>
                 </p:custDataLst>
               </p:nvPr>
             </p:nvCxnSpPr>
@@ -17726,7 +18127,7 @@
               <p:cNvSpPr txBox="1"/>
               <p:nvPr>
                 <p:custDataLst>
-                  <p:tags r:id="rId15"/>
+                  <p:tags r:id="rId9"/>
                 </p:custDataLst>
               </p:nvPr>
             </p:nvSpPr>
@@ -17876,6 +18277,23 @@
                   </a:rPr>
                   <a:t>团队分工</a:t>
                 </a:r>
+                <a:endParaRPr kumimoji="0" lang="zh-CN" altLang="en-US" i="0" u="none" strike="noStrike" kern="0" cap="none" spc="0" normalizeH="0" baseline="0" noProof="0" dirty="0">
+                  <a:ln>
+                    <a:noFill/>
+                  </a:ln>
+                  <a:solidFill>
+                    <a:schemeClr val="tx1">
+                      <a:lumMod val="85000"/>
+                      <a:lumOff val="15000"/>
+                    </a:schemeClr>
+                  </a:solidFill>
+                  <a:effectLst/>
+                  <a:uLnTx/>
+                  <a:uFillTx/>
+                  <a:latin typeface="OPPOSans B" panose="00020600040101010101" pitchFamily="18" charset="-122"/>
+                  <a:ea typeface="OPPOSans B" panose="00020600040101010101" pitchFamily="18" charset="-122"/>
+                  <a:cs typeface="OPPOSans B" panose="00020600040101010101" pitchFamily="18" charset="-122"/>
+                </a:endParaRPr>
               </a:p>
             </p:txBody>
           </p:sp>
@@ -18053,6 +18471,21 @@
                   </a:rPr>
                   <a:t>06</a:t>
                 </a:r>
+                <a:endParaRPr kumimoji="0" lang="en-US" altLang="zh-CN" sz="2000" b="0" i="0" u="none" strike="noStrike" kern="1200" cap="none" spc="0" normalizeH="0" baseline="0" noProof="0" dirty="0">
+                  <a:ln>
+                    <a:noFill/>
+                  </a:ln>
+                  <a:solidFill>
+                    <a:schemeClr val="accent2"/>
+                  </a:solidFill>
+                  <a:effectLst/>
+                  <a:uLnTx/>
+                  <a:uFillTx/>
+                  <a:latin typeface="OPPOSans B" panose="00020600040101010101" pitchFamily="18" charset="-122"/>
+                  <a:ea typeface="OPPOSans B" panose="00020600040101010101" pitchFamily="18" charset="-122"/>
+                  <a:cs typeface="OPPOSans B" panose="00020600040101010101" pitchFamily="18" charset="-122"/>
+                  <a:sym typeface="Century Gothic" panose="020B0502020202020204" pitchFamily="34" charset="0"/>
+                </a:endParaRPr>
               </a:p>
             </p:txBody>
           </p:sp>
@@ -18232,7 +18665,7 @@
                   <a:defRPr/>
                 </a:pPr>
                 <a:r>
-                  <a:rPr kumimoji="0" lang="en-US" altLang="zh-CN" i="0" u="none" strike="noStrike" kern="0" cap="none" spc="0" normalizeH="0" baseline="0" noProof="0" dirty="0">
+                  <a:rPr kumimoji="0" lang="zh-CN" altLang="en-US" i="0" u="none" strike="noStrike" kern="0" cap="none" spc="0" normalizeH="0" baseline="0" noProof="0" dirty="0">
                     <a:ln>
                       <a:noFill/>
                     </a:ln>
@@ -18249,7 +18682,7 @@
                     <a:ea typeface="OPPOSans B" panose="00020600040101010101" pitchFamily="18" charset="-122"/>
                     <a:cs typeface="OPPOSans B" panose="00020600040101010101" pitchFamily="18" charset="-122"/>
                   </a:rPr>
-                  <a:t>OpenXLab</a:t>
+                  <a:t>模型</a:t>
                 </a:r>
                 <a:r>
                   <a:rPr kumimoji="0" lang="zh-CN" altLang="en-US" i="0" u="none" strike="noStrike" kern="0" cap="none" spc="0" normalizeH="0" baseline="0" noProof="0" dirty="0">
@@ -18269,8 +18702,25 @@
                     <a:ea typeface="OPPOSans B" panose="00020600040101010101" pitchFamily="18" charset="-122"/>
                     <a:cs typeface="OPPOSans B" panose="00020600040101010101" pitchFamily="18" charset="-122"/>
                   </a:rPr>
-                  <a:t>体验</a:t>
+                  <a:t>演示</a:t>
                 </a:r>
+                <a:endParaRPr kumimoji="0" lang="zh-CN" altLang="en-US" i="0" u="none" strike="noStrike" kern="0" cap="none" spc="0" normalizeH="0" baseline="0" noProof="0" dirty="0">
+                  <a:ln>
+                    <a:noFill/>
+                  </a:ln>
+                  <a:solidFill>
+                    <a:schemeClr val="tx1">
+                      <a:lumMod val="85000"/>
+                      <a:lumOff val="15000"/>
+                    </a:schemeClr>
+                  </a:solidFill>
+                  <a:effectLst/>
+                  <a:uLnTx/>
+                  <a:uFillTx/>
+                  <a:latin typeface="OPPOSans B" panose="00020600040101010101" pitchFamily="18" charset="-122"/>
+                  <a:ea typeface="OPPOSans B" panose="00020600040101010101" pitchFamily="18" charset="-122"/>
+                  <a:cs typeface="OPPOSans B" panose="00020600040101010101" pitchFamily="18" charset="-122"/>
+                </a:endParaRPr>
               </a:p>
             </p:txBody>
           </p:sp>
@@ -18296,7 +18746,7 @@
             <p:cNvSpPr txBox="1"/>
             <p:nvPr>
               <p:custDataLst>
-                <p:tags r:id="rId7"/>
+                <p:tags r:id="rId13"/>
               </p:custDataLst>
             </p:nvPr>
           </p:nvSpPr>
@@ -18449,6 +18899,21 @@
                 </a:rPr>
                 <a:t>03</a:t>
               </a:r>
+              <a:endParaRPr kumimoji="0" lang="en-US" altLang="zh-CN" sz="2000" b="0" i="0" u="none" strike="noStrike" kern="1200" cap="none" spc="0" normalizeH="0" baseline="0" noProof="0" dirty="0">
+                <a:ln>
+                  <a:noFill/>
+                </a:ln>
+                <a:solidFill>
+                  <a:schemeClr val="accent2"/>
+                </a:solidFill>
+                <a:effectLst/>
+                <a:uLnTx/>
+                <a:uFillTx/>
+                <a:latin typeface="OPPOSans B" panose="00020600040101010101" pitchFamily="18" charset="-122"/>
+                <a:ea typeface="OPPOSans B" panose="00020600040101010101" pitchFamily="18" charset="-122"/>
+                <a:cs typeface="OPPOSans B" panose="00020600040101010101" pitchFamily="18" charset="-122"/>
+                <a:sym typeface="Century Gothic" panose="020B0502020202020204" pitchFamily="34" charset="0"/>
+              </a:endParaRPr>
             </a:p>
           </p:txBody>
         </p:sp>
@@ -18458,7 +18923,7 @@
             <p:cNvCxnSpPr/>
             <p:nvPr>
               <p:custDataLst>
-                <p:tags r:id="rId8"/>
+                <p:tags r:id="rId14"/>
               </p:custDataLst>
             </p:nvPr>
           </p:nvCxnSpPr>
@@ -18497,7 +18962,7 @@
             <p:cNvSpPr txBox="1"/>
             <p:nvPr>
               <p:custDataLst>
-                <p:tags r:id="rId9"/>
+                <p:tags r:id="rId15"/>
               </p:custDataLst>
             </p:nvPr>
           </p:nvSpPr>
@@ -18647,6 +19112,23 @@
                 </a:rPr>
                 <a:t>项目架构图</a:t>
               </a:r>
+              <a:endParaRPr kumimoji="0" lang="zh-CN" altLang="en-US" i="0" u="none" strike="noStrike" kern="0" cap="none" spc="0" normalizeH="0" baseline="0" noProof="0" dirty="0">
+                <a:ln>
+                  <a:noFill/>
+                </a:ln>
+                <a:solidFill>
+                  <a:schemeClr val="tx1">
+                    <a:lumMod val="85000"/>
+                    <a:lumOff val="15000"/>
+                  </a:schemeClr>
+                </a:solidFill>
+                <a:effectLst/>
+                <a:uLnTx/>
+                <a:uFillTx/>
+                <a:latin typeface="OPPOSans B" panose="00020600040101010101" pitchFamily="18" charset="-122"/>
+                <a:ea typeface="OPPOSans B" panose="00020600040101010101" pitchFamily="18" charset="-122"/>
+                <a:cs typeface="OPPOSans B" panose="00020600040101010101" pitchFamily="18" charset="-122"/>
+              </a:endParaRPr>
             </a:p>
           </p:txBody>
         </p:sp>
@@ -18671,7 +19153,7 @@
             <p:cNvSpPr txBox="1"/>
             <p:nvPr>
               <p:custDataLst>
-                <p:tags r:id="rId4"/>
+                <p:tags r:id="rId16"/>
               </p:custDataLst>
             </p:nvPr>
           </p:nvSpPr>
@@ -18824,6 +19306,21 @@
                 </a:rPr>
                 <a:t>07</a:t>
               </a:r>
+              <a:endParaRPr kumimoji="0" lang="en-US" altLang="zh-CN" sz="2000" b="0" i="0" u="none" strike="noStrike" kern="1200" cap="none" spc="0" normalizeH="0" baseline="0" noProof="0" dirty="0">
+                <a:ln>
+                  <a:noFill/>
+                </a:ln>
+                <a:solidFill>
+                  <a:schemeClr val="accent2"/>
+                </a:solidFill>
+                <a:effectLst/>
+                <a:uLnTx/>
+                <a:uFillTx/>
+                <a:latin typeface="OPPOSans B" panose="00020600040101010101" pitchFamily="18" charset="-122"/>
+                <a:ea typeface="OPPOSans B" panose="00020600040101010101" pitchFamily="18" charset="-122"/>
+                <a:cs typeface="OPPOSans B" panose="00020600040101010101" pitchFamily="18" charset="-122"/>
+                <a:sym typeface="Century Gothic" panose="020B0502020202020204" pitchFamily="34" charset="0"/>
+              </a:endParaRPr>
             </a:p>
           </p:txBody>
         </p:sp>
@@ -18833,7 +19330,7 @@
             <p:cNvCxnSpPr/>
             <p:nvPr>
               <p:custDataLst>
-                <p:tags r:id="rId5"/>
+                <p:tags r:id="rId17"/>
               </p:custDataLst>
             </p:nvPr>
           </p:nvCxnSpPr>
@@ -18872,7 +19369,7 @@
             <p:cNvSpPr txBox="1"/>
             <p:nvPr>
               <p:custDataLst>
-                <p:tags r:id="rId6"/>
+                <p:tags r:id="rId18"/>
               </p:custDataLst>
             </p:nvPr>
           </p:nvSpPr>
@@ -19022,6 +19519,23 @@
                 </a:rPr>
                 <a:t>未来展望</a:t>
               </a:r>
+              <a:endParaRPr kumimoji="0" lang="zh-CN" altLang="en-US" i="0" u="none" strike="noStrike" kern="0" cap="none" spc="0" normalizeH="0" baseline="0" noProof="0" dirty="0">
+                <a:ln>
+                  <a:noFill/>
+                </a:ln>
+                <a:solidFill>
+                  <a:schemeClr val="tx1">
+                    <a:lumMod val="85000"/>
+                    <a:lumOff val="15000"/>
+                  </a:schemeClr>
+                </a:solidFill>
+                <a:effectLst/>
+                <a:uLnTx/>
+                <a:uFillTx/>
+                <a:latin typeface="OPPOSans B" panose="00020600040101010101" pitchFamily="18" charset="-122"/>
+                <a:ea typeface="OPPOSans B" panose="00020600040101010101" pitchFamily="18" charset="-122"/>
+                <a:cs typeface="OPPOSans B" panose="00020600040101010101" pitchFamily="18" charset="-122"/>
+              </a:endParaRPr>
             </a:p>
           </p:txBody>
         </p:sp>
@@ -19046,7 +19560,7 @@
             <p:cNvSpPr txBox="1"/>
             <p:nvPr>
               <p:custDataLst>
-                <p:tags r:id="rId1"/>
+                <p:tags r:id="rId19"/>
               </p:custDataLst>
             </p:nvPr>
           </p:nvSpPr>
@@ -19199,6 +19713,21 @@
                 </a:rPr>
                 <a:t>04</a:t>
               </a:r>
+              <a:endParaRPr kumimoji="0" lang="en-US" altLang="zh-CN" sz="2000" b="0" i="0" u="none" strike="noStrike" kern="1200" cap="none" spc="0" normalizeH="0" baseline="0" noProof="0" dirty="0">
+                <a:ln>
+                  <a:noFill/>
+                </a:ln>
+                <a:solidFill>
+                  <a:schemeClr val="accent2"/>
+                </a:solidFill>
+                <a:effectLst/>
+                <a:uLnTx/>
+                <a:uFillTx/>
+                <a:latin typeface="OPPOSans B" panose="00020600040101010101" pitchFamily="18" charset="-122"/>
+                <a:ea typeface="OPPOSans B" panose="00020600040101010101" pitchFamily="18" charset="-122"/>
+                <a:cs typeface="OPPOSans B" panose="00020600040101010101" pitchFamily="18" charset="-122"/>
+                <a:sym typeface="Century Gothic" panose="020B0502020202020204" pitchFamily="34" charset="0"/>
+              </a:endParaRPr>
             </a:p>
           </p:txBody>
         </p:sp>
@@ -19208,7 +19737,7 @@
             <p:cNvCxnSpPr/>
             <p:nvPr>
               <p:custDataLst>
-                <p:tags r:id="rId2"/>
+                <p:tags r:id="rId20"/>
               </p:custDataLst>
             </p:nvPr>
           </p:nvCxnSpPr>
@@ -19247,7 +19776,7 @@
             <p:cNvSpPr txBox="1"/>
             <p:nvPr>
               <p:custDataLst>
-                <p:tags r:id="rId3"/>
+                <p:tags r:id="rId21"/>
               </p:custDataLst>
             </p:nvPr>
           </p:nvSpPr>
@@ -19397,6 +19926,23 @@
                 </a:rPr>
                 <a:t>数据收集、清洗</a:t>
               </a:r>
+              <a:endParaRPr kumimoji="0" lang="zh-CN" altLang="en-US" i="0" u="none" strike="noStrike" kern="0" cap="none" spc="0" normalizeH="0" baseline="0" noProof="0" dirty="0">
+                <a:ln>
+                  <a:noFill/>
+                </a:ln>
+                <a:solidFill>
+                  <a:schemeClr val="tx1">
+                    <a:lumMod val="85000"/>
+                    <a:lumOff val="15000"/>
+                  </a:schemeClr>
+                </a:solidFill>
+                <a:effectLst/>
+                <a:uLnTx/>
+                <a:uFillTx/>
+                <a:latin typeface="OPPOSans B" panose="00020600040101010101" pitchFamily="18" charset="-122"/>
+                <a:ea typeface="OPPOSans B" panose="00020600040101010101" pitchFamily="18" charset="-122"/>
+                <a:cs typeface="OPPOSans B" panose="00020600040101010101" pitchFamily="18" charset="-122"/>
+              </a:endParaRPr>
             </a:p>
           </p:txBody>
         </p:sp>
@@ -20728,6 +21274,18 @@
                 </a:rPr>
                 <a:t>01</a:t>
               </a:r>
+              <a:endParaRPr lang="en-US" altLang="zh-CN" sz="1600" b="1" dirty="0">
+                <a:ln>
+                  <a:noFill/>
+                </a:ln>
+                <a:solidFill>
+                  <a:schemeClr val="bg1"/>
+                </a:solidFill>
+                <a:latin typeface="OPPOSans M" panose="00020600040101010101" pitchFamily="18" charset="-122"/>
+                <a:ea typeface="OPPOSans M" panose="00020600040101010101" pitchFamily="18" charset="-122"/>
+                <a:cs typeface="OPPOSans M" panose="00020600040101010101" pitchFamily="18" charset="-122"/>
+                <a:sym typeface="OPPOSans M" panose="00020600040101010101" pitchFamily="18" charset="-122"/>
+              </a:endParaRPr>
             </a:p>
           </p:txBody>
         </p:sp>
@@ -20781,6 +21339,29 @@
               </a:rPr>
               <a:t>项目背景</a:t>
             </a:r>
+            <a:endParaRPr lang="zh-CN" altLang="en-US" sz="2400" dirty="0">
+              <a:ln w="15875">
+                <a:gradFill>
+                  <a:gsLst>
+                    <a:gs pos="0">
+                      <a:schemeClr val="accent1">
+                        <a:hueMod val="80000"/>
+                      </a:schemeClr>
+                    </a:gs>
+                    <a:gs pos="100000">
+                      <a:schemeClr val="accent1"/>
+                    </a:gs>
+                  </a:gsLst>
+                  <a:lin ang="2700000" scaled="1"/>
+                </a:gradFill>
+              </a:ln>
+              <a:noFill/>
+              <a:effectLst/>
+              <a:latin typeface="OPPOSans M" panose="00020600040101010101" pitchFamily="18" charset="-122"/>
+              <a:ea typeface="OPPOSans M" panose="00020600040101010101" pitchFamily="18" charset="-122"/>
+              <a:cs typeface="OPPOSans M" panose="00020600040101010101" pitchFamily="18" charset="-122"/>
+              <a:sym typeface="OPPOSans M" panose="00020600040101010101" pitchFamily="18" charset="-122"/>
+            </a:endParaRPr>
           </a:p>
         </p:txBody>
       </p:sp>
@@ -21005,6 +21586,20 @@
               </a:rPr>
               <a:t>项目背景</a:t>
             </a:r>
+            <a:endParaRPr kumimoji="0" lang="zh-CN" altLang="en-US" sz="1600" b="1" i="0" u="none" strike="noStrike" kern="1200" cap="none" spc="0" normalizeH="0" baseline="0" noProof="0" dirty="0">
+              <a:ln>
+                <a:noFill/>
+              </a:ln>
+              <a:solidFill>
+                <a:srgbClr val="FFFFFF"/>
+              </a:solidFill>
+              <a:effectLst/>
+              <a:uLnTx/>
+              <a:uFillTx/>
+              <a:latin typeface="OPPOSans R" panose="00020600040101010101" pitchFamily="18" charset="-122"/>
+              <a:ea typeface="OPPOSans R" panose="00020600040101010101" pitchFamily="18" charset="-122"/>
+              <a:cs typeface="OPPOSans R" panose="00020600040101010101" pitchFamily="18" charset="-122"/>
+            </a:endParaRPr>
           </a:p>
         </p:txBody>
       </p:sp>
@@ -21471,6 +22066,20 @@
               </a:rPr>
               <a:t>项目目标</a:t>
             </a:r>
+            <a:endParaRPr kumimoji="0" lang="zh-CN" altLang="en-US" sz="1600" b="1" i="0" u="none" strike="noStrike" kern="1200" cap="none" spc="0" normalizeH="0" baseline="0" noProof="0" dirty="0">
+              <a:ln>
+                <a:noFill/>
+              </a:ln>
+              <a:solidFill>
+                <a:srgbClr val="FFFFFF"/>
+              </a:solidFill>
+              <a:effectLst/>
+              <a:uLnTx/>
+              <a:uFillTx/>
+              <a:latin typeface="OPPOSans R" panose="00020600040101010101" pitchFamily="18" charset="-122"/>
+              <a:ea typeface="OPPOSans R" panose="00020600040101010101" pitchFamily="18" charset="-122"/>
+              <a:cs typeface="OPPOSans R" panose="00020600040101010101" pitchFamily="18" charset="-122"/>
+            </a:endParaRPr>
           </a:p>
         </p:txBody>
       </p:sp>
@@ -21532,6 +22141,24 @@
               </a:rPr>
               <a:t>为了解决这一问题，我们开发了保险知识问答助手项目。该项目旨在利用先进的自然语言处理技术，构建一个智能问答系统，帮助用户快速、准确地获取与保险相关的信息和建议。该系统基于InternLM的7B模型，结合了丰富的保险领域数据集，能够理解用户的问题并给出专业的保险知识解答。</a:t>
             </a:r>
+            <a:endParaRPr kumimoji="0" lang="zh-CN" altLang="en-US" sz="1400" b="0" i="0" u="none" strike="noStrike" kern="1200" cap="none" spc="0" normalizeH="0" baseline="0" noProof="0" dirty="0">
+              <a:ln>
+                <a:noFill/>
+              </a:ln>
+              <a:solidFill>
+                <a:srgbClr val="000000">
+                  <a:lumMod val="50000"/>
+                  <a:lumOff val="50000"/>
+                </a:srgbClr>
+              </a:solidFill>
+              <a:effectLst/>
+              <a:uLnTx/>
+              <a:uFillTx/>
+              <a:latin typeface="OPPOSans R" panose="00020600040101010101" pitchFamily="18" charset="-122"/>
+              <a:ea typeface="OPPOSans R" panose="00020600040101010101" pitchFamily="18" charset="-122"/>
+              <a:cs typeface="OPPOSans R" panose="00020600040101010101" pitchFamily="18" charset="-122"/>
+              <a:sym typeface="Arial" panose="020B0604020202020204" pitchFamily="34" charset="0"/>
+            </a:endParaRPr>
           </a:p>
         </p:txBody>
       </p:sp>
@@ -22668,6 +23295,24 @@
               </a:rPr>
               <a:t>随着社会的发展和人们生活水平的提高，保险在日常生活中扮演着越来越重要的角色。然而，保险领域的专业知识对普通用户来说常常显得复杂和难以理解，因此在保险领域获取准确、可靠的信息变得至关重要。</a:t>
             </a:r>
+            <a:endParaRPr kumimoji="0" lang="zh-CN" altLang="en-US" sz="1400" b="0" i="0" u="none" strike="noStrike" kern="1200" cap="none" spc="0" normalizeH="0" baseline="0" noProof="0" dirty="0">
+              <a:ln>
+                <a:noFill/>
+              </a:ln>
+              <a:solidFill>
+                <a:srgbClr val="000000">
+                  <a:lumMod val="50000"/>
+                  <a:lumOff val="50000"/>
+                </a:srgbClr>
+              </a:solidFill>
+              <a:effectLst/>
+              <a:uLnTx/>
+              <a:uFillTx/>
+              <a:latin typeface="OPPOSans R" panose="00020600040101010101" pitchFamily="18" charset="-122"/>
+              <a:ea typeface="OPPOSans R" panose="00020600040101010101" pitchFamily="18" charset="-122"/>
+              <a:cs typeface="OPPOSans R" panose="00020600040101010101" pitchFamily="18" charset="-122"/>
+              <a:sym typeface="Arial" panose="020B0604020202020204" pitchFamily="34" charset="0"/>
+            </a:endParaRPr>
           </a:p>
         </p:txBody>
       </p:sp>
@@ -23998,6 +24643,18 @@
                 </a:rPr>
                 <a:t>02</a:t>
               </a:r>
+              <a:endParaRPr lang="en-US" altLang="zh-CN" sz="1600" b="1" dirty="0">
+                <a:ln>
+                  <a:noFill/>
+                </a:ln>
+                <a:solidFill>
+                  <a:schemeClr val="bg1"/>
+                </a:solidFill>
+                <a:latin typeface="OPPOSans M" panose="00020600040101010101" pitchFamily="18" charset="-122"/>
+                <a:ea typeface="OPPOSans M" panose="00020600040101010101" pitchFamily="18" charset="-122"/>
+                <a:cs typeface="OPPOSans M" panose="00020600040101010101" pitchFamily="18" charset="-122"/>
+                <a:sym typeface="OPPOSans M" panose="00020600040101010101" pitchFamily="18" charset="-122"/>
+              </a:endParaRPr>
             </a:p>
           </p:txBody>
         </p:sp>
@@ -24051,6 +24708,98 @@
               </a:rPr>
               <a:t>团队分工</a:t>
             </a:r>
+            <a:endParaRPr lang="zh-CN" altLang="en-US" sz="2400" dirty="0">
+              <a:ln w="15875">
+                <a:gradFill>
+                  <a:gsLst>
+                    <a:gs pos="0">
+                      <a:schemeClr val="accent1">
+                        <a:hueMod val="80000"/>
+                      </a:schemeClr>
+                    </a:gs>
+                    <a:gs pos="100000">
+                      <a:schemeClr val="accent1"/>
+                    </a:gs>
+                  </a:gsLst>
+                  <a:lin ang="2700000" scaled="1"/>
+                </a:gradFill>
+              </a:ln>
+              <a:noFill/>
+              <a:effectLst/>
+              <a:latin typeface="OPPOSans M" panose="00020600040101010101" pitchFamily="18" charset="-122"/>
+              <a:ea typeface="OPPOSans M" panose="00020600040101010101" pitchFamily="18" charset="-122"/>
+              <a:cs typeface="OPPOSans M" panose="00020600040101010101" pitchFamily="18" charset="-122"/>
+              <a:sym typeface="OPPOSans M" panose="00020600040101010101" pitchFamily="18" charset="-122"/>
+            </a:endParaRPr>
+          </a:p>
+        </p:txBody>
+      </p:sp>
+      <p:sp>
+        <p:nvSpPr>
+          <p:cNvPr id="3" name="文本框 2"/>
+          <p:cNvSpPr txBox="1"/>
+          <p:nvPr/>
+        </p:nvSpPr>
+        <p:spPr>
+          <a:xfrm>
+            <a:off x="1520825" y="1581150"/>
+            <a:ext cx="9681845" cy="4247515"/>
+          </a:xfrm>
+          <a:prstGeom prst="rect">
+            <a:avLst/>
+          </a:prstGeom>
+          <a:noFill/>
+        </p:spPr>
+        <p:txBody>
+          <a:bodyPr wrap="square" rtlCol="0" anchor="t">
+            <a:noAutofit/>
+          </a:bodyPr>
+          <a:p>
+            <a:r>
+              <a:rPr lang="zh-CN" altLang="en-US" sz="2800"/>
+              <a:t>俞曹-项目负责人 （负责项目规划，数据清洗及模型训练）</a:t>
+            </a:r>
+            <a:endParaRPr lang="zh-CN" altLang="en-US" sz="2800"/>
+          </a:p>
+          <a:p>
+            <a:endParaRPr lang="zh-CN" altLang="en-US" sz="2800"/>
+          </a:p>
+          <a:p>
+            <a:r>
+              <a:rPr lang="zh-CN" altLang="en-US" sz="2800"/>
+              <a:t>范徐立（负责数据集收集、模型训练）</a:t>
+            </a:r>
+            <a:endParaRPr lang="zh-CN" altLang="en-US" sz="2800"/>
+          </a:p>
+          <a:p>
+            <a:endParaRPr lang="zh-CN" altLang="en-US" sz="2800"/>
+          </a:p>
+          <a:p>
+            <a:r>
+              <a:rPr lang="zh-CN" altLang="en-US" sz="2800"/>
+              <a:t>陈博远（负责模型评测、模型部署）</a:t>
+            </a:r>
+            <a:endParaRPr lang="zh-CN" altLang="en-US" sz="2800"/>
+          </a:p>
+          <a:p>
+            <a:endParaRPr lang="zh-CN" altLang="en-US" sz="2800"/>
+          </a:p>
+          <a:p>
+            <a:r>
+              <a:rPr lang="zh-CN" altLang="en-US" sz="2800"/>
+              <a:t>孙韬强（负责数据集收集、模型量化）</a:t>
+            </a:r>
+            <a:endParaRPr lang="zh-CN" altLang="en-US" sz="2800"/>
+          </a:p>
+          <a:p>
+            <a:endParaRPr lang="zh-CN" altLang="en-US" sz="2800"/>
+          </a:p>
+          <a:p>
+            <a:r>
+              <a:rPr lang="zh-CN" altLang="en-US" sz="2800"/>
+              <a:t>邹锦帛 （负责数据集收集、模型量化）</a:t>
+            </a:r>
+            <a:endParaRPr lang="zh-CN" altLang="en-US" sz="2800"/>
           </a:p>
         </p:txBody>
       </p:sp>
@@ -25381,6 +26130,18 @@
                 </a:rPr>
                 <a:t>03</a:t>
               </a:r>
+              <a:endParaRPr lang="en-US" altLang="zh-CN" sz="1600" b="1" dirty="0">
+                <a:ln>
+                  <a:noFill/>
+                </a:ln>
+                <a:solidFill>
+                  <a:schemeClr val="bg1"/>
+                </a:solidFill>
+                <a:latin typeface="OPPOSans M" panose="00020600040101010101" pitchFamily="18" charset="-122"/>
+                <a:ea typeface="OPPOSans M" panose="00020600040101010101" pitchFamily="18" charset="-122"/>
+                <a:cs typeface="OPPOSans M" panose="00020600040101010101" pitchFamily="18" charset="-122"/>
+                <a:sym typeface="OPPOSans M" panose="00020600040101010101" pitchFamily="18" charset="-122"/>
+              </a:endParaRPr>
             </a:p>
           </p:txBody>
         </p:sp>
@@ -25434,25 +26195,42 @@
               </a:rPr>
               <a:t>项目架构图</a:t>
             </a:r>
+            <a:endParaRPr lang="zh-CN" altLang="en-US" sz="2400" dirty="0">
+              <a:ln w="15875">
+                <a:gradFill>
+                  <a:gsLst>
+                    <a:gs pos="0">
+                      <a:schemeClr val="accent1">
+                        <a:hueMod val="80000"/>
+                      </a:schemeClr>
+                    </a:gs>
+                    <a:gs pos="100000">
+                      <a:schemeClr val="accent1"/>
+                    </a:gs>
+                  </a:gsLst>
+                  <a:lin ang="2700000" scaled="1"/>
+                </a:gradFill>
+              </a:ln>
+              <a:noFill/>
+              <a:effectLst/>
+              <a:latin typeface="OPPOSans M" panose="00020600040101010101" pitchFamily="18" charset="-122"/>
+              <a:ea typeface="OPPOSans M" panose="00020600040101010101" pitchFamily="18" charset="-122"/>
+              <a:cs typeface="OPPOSans M" panose="00020600040101010101" pitchFamily="18" charset="-122"/>
+              <a:sym typeface="OPPOSans M" panose="00020600040101010101" pitchFamily="18" charset="-122"/>
+            </a:endParaRPr>
           </a:p>
         </p:txBody>
       </p:sp>
       <p:pic>
         <p:nvPicPr>
-          <p:cNvPr id="5" name="图片 4">
-            <a:extLst>
-              <a:ext uri="{FF2B5EF4-FFF2-40B4-BE49-F238E27FC236}">
-                <a16:creationId xmlns:a16="http://schemas.microsoft.com/office/drawing/2014/main" id="{5145C0D2-0FEF-C8F2-0984-5D9ECB644EA0}"/>
-              </a:ext>
-            </a:extLst>
-          </p:cNvPr>
+          <p:cNvPr id="5" name="图片 4"/>
           <p:cNvPicPr>
             <a:picLocks noChangeAspect="1"/>
           </p:cNvPicPr>
           <p:nvPr/>
         </p:nvPicPr>
         <p:blipFill>
-          <a:blip r:embed="rId2">
+          <a:blip r:embed="rId1">
             <a:extLst>
               <a:ext uri="{28A0092B-C50C-407E-A947-70E740481C1C}">
                 <a14:useLocalDpi xmlns:a14="http://schemas.microsoft.com/office/drawing/2010/main" val="0"/>
@@ -26800,6 +27578,18 @@
                 </a:rPr>
                 <a:t>04</a:t>
               </a:r>
+              <a:endParaRPr lang="en-US" altLang="zh-CN" sz="1600" b="1" dirty="0">
+                <a:ln>
+                  <a:noFill/>
+                </a:ln>
+                <a:solidFill>
+                  <a:schemeClr val="bg1"/>
+                </a:solidFill>
+                <a:latin typeface="OPPOSans M" panose="00020600040101010101" pitchFamily="18" charset="-122"/>
+                <a:ea typeface="OPPOSans M" panose="00020600040101010101" pitchFamily="18" charset="-122"/>
+                <a:cs typeface="OPPOSans M" panose="00020600040101010101" pitchFamily="18" charset="-122"/>
+                <a:sym typeface="OPPOSans M" panose="00020600040101010101" pitchFamily="18" charset="-122"/>
+              </a:endParaRPr>
             </a:p>
           </p:txBody>
         </p:sp>
@@ -26853,6 +27643,29 @@
               </a:rPr>
               <a:t>数据收集、清洗</a:t>
             </a:r>
+            <a:endParaRPr lang="zh-CN" altLang="en-US" sz="2400" dirty="0">
+              <a:ln w="15875">
+                <a:gradFill>
+                  <a:gsLst>
+                    <a:gs pos="0">
+                      <a:schemeClr val="accent1">
+                        <a:hueMod val="80000"/>
+                      </a:schemeClr>
+                    </a:gs>
+                    <a:gs pos="100000">
+                      <a:schemeClr val="accent1"/>
+                    </a:gs>
+                  </a:gsLst>
+                  <a:lin ang="2700000" scaled="1"/>
+                </a:gradFill>
+              </a:ln>
+              <a:noFill/>
+              <a:effectLst/>
+              <a:latin typeface="OPPOSans M" panose="00020600040101010101" pitchFamily="18" charset="-122"/>
+              <a:ea typeface="OPPOSans M" panose="00020600040101010101" pitchFamily="18" charset="-122"/>
+              <a:cs typeface="OPPOSans M" panose="00020600040101010101" pitchFamily="18" charset="-122"/>
+              <a:sym typeface="OPPOSans M" panose="00020600040101010101" pitchFamily="18" charset="-122"/>
+            </a:endParaRPr>
           </a:p>
         </p:txBody>
       </p:sp>
@@ -26882,6 +27695,7 @@
               <a:rPr lang="zh-CN" altLang="en-US" dirty="0"/>
               <a:t>数据收集：</a:t>
             </a:r>
+            <a:endParaRPr lang="zh-CN" altLang="en-US" dirty="0"/>
           </a:p>
           <a:p>
             <a:pPr indent="457200"/>
@@ -26889,6 +27703,7 @@
               <a:rPr lang="zh-CN" altLang="en-US" dirty="0"/>
               <a:t>数据集采用中的`ChineseNlpCorpus`提供的包括用户提问、网友回答、最佳回答，共计 8000 余条，数据集样例如下</a:t>
             </a:r>
+            <a:endParaRPr lang="zh-CN" altLang="en-US" dirty="0"/>
           </a:p>
         </p:txBody>
       </p:sp>
@@ -26905,7 +27720,7 @@
           </p:nvPr>
         </p:nvPicPr>
         <p:blipFill>
-          <a:blip r:embed="rId3"/>
+          <a:blip r:embed="rId2"/>
           <a:stretch>
             <a:fillRect/>
           </a:stretch>
@@ -28247,6 +29062,18 @@
                 </a:rPr>
                 <a:t>04</a:t>
               </a:r>
+              <a:endParaRPr lang="en-US" altLang="zh-CN" sz="1600" b="1" dirty="0">
+                <a:ln>
+                  <a:noFill/>
+                </a:ln>
+                <a:solidFill>
+                  <a:schemeClr val="bg1"/>
+                </a:solidFill>
+                <a:latin typeface="OPPOSans M" panose="00020600040101010101" pitchFamily="18" charset="-122"/>
+                <a:ea typeface="OPPOSans M" panose="00020600040101010101" pitchFamily="18" charset="-122"/>
+                <a:cs typeface="OPPOSans M" panose="00020600040101010101" pitchFamily="18" charset="-122"/>
+                <a:sym typeface="OPPOSans M" panose="00020600040101010101" pitchFamily="18" charset="-122"/>
+              </a:endParaRPr>
             </a:p>
           </p:txBody>
         </p:sp>
@@ -28300,6 +29127,29 @@
               </a:rPr>
               <a:t>数据收集、清洗</a:t>
             </a:r>
+            <a:endParaRPr lang="zh-CN" altLang="en-US" sz="2400" dirty="0">
+              <a:ln w="15875">
+                <a:gradFill>
+                  <a:gsLst>
+                    <a:gs pos="0">
+                      <a:schemeClr val="accent1">
+                        <a:hueMod val="80000"/>
+                      </a:schemeClr>
+                    </a:gs>
+                    <a:gs pos="100000">
+                      <a:schemeClr val="accent1"/>
+                    </a:gs>
+                  </a:gsLst>
+                  <a:lin ang="2700000" scaled="1"/>
+                </a:gradFill>
+              </a:ln>
+              <a:noFill/>
+              <a:effectLst/>
+              <a:latin typeface="OPPOSans M" panose="00020600040101010101" pitchFamily="18" charset="-122"/>
+              <a:ea typeface="OPPOSans M" panose="00020600040101010101" pitchFamily="18" charset="-122"/>
+              <a:cs typeface="OPPOSans M" panose="00020600040101010101" pitchFamily="18" charset="-122"/>
+              <a:sym typeface="OPPOSans M" panose="00020600040101010101" pitchFamily="18" charset="-122"/>
+            </a:endParaRPr>
           </a:p>
         </p:txBody>
       </p:sp>
@@ -28329,6 +29179,7 @@
               <a:rPr lang="zh-CN" altLang="en-US"/>
               <a:t>数据清洗：</a:t>
             </a:r>
+            <a:endParaRPr lang="zh-CN" altLang="en-US"/>
           </a:p>
           <a:p>
             <a:pPr indent="457200"/>
@@ -28360,6 +29211,7 @@
               <a:rPr lang="zh-CN" altLang="en-US"/>
               <a:t>的值决定是否添加到最终的JSON输出中。得到以下格式的数据</a:t>
             </a:r>
+            <a:endParaRPr lang="zh-CN" altLang="en-US"/>
           </a:p>
         </p:txBody>
       </p:sp>
@@ -28376,7 +29228,7 @@
           </p:nvPr>
         </p:nvPicPr>
         <p:blipFill>
-          <a:blip r:embed="rId3"/>
+          <a:blip r:embed="rId2"/>
           <a:stretch>
             <a:fillRect/>
           </a:stretch>
@@ -29718,6 +30570,18 @@
                 </a:rPr>
                 <a:t>05</a:t>
               </a:r>
+              <a:endParaRPr lang="en-US" altLang="zh-CN" sz="1600" b="1" dirty="0">
+                <a:ln>
+                  <a:noFill/>
+                </a:ln>
+                <a:solidFill>
+                  <a:schemeClr val="bg1"/>
+                </a:solidFill>
+                <a:latin typeface="OPPOSans M" panose="00020600040101010101" pitchFamily="18" charset="-122"/>
+                <a:ea typeface="OPPOSans M" panose="00020600040101010101" pitchFamily="18" charset="-122"/>
+                <a:cs typeface="OPPOSans M" panose="00020600040101010101" pitchFamily="18" charset="-122"/>
+                <a:sym typeface="OPPOSans M" panose="00020600040101010101" pitchFamily="18" charset="-122"/>
+              </a:endParaRPr>
             </a:p>
           </p:txBody>
         </p:sp>
@@ -29771,6 +30635,29 @@
               </a:rPr>
               <a:t>模型训练</a:t>
             </a:r>
+            <a:endParaRPr lang="zh-CN" altLang="en-US" sz="2400" dirty="0">
+              <a:ln w="15875">
+                <a:gradFill>
+                  <a:gsLst>
+                    <a:gs pos="0">
+                      <a:schemeClr val="accent1">
+                        <a:hueMod val="80000"/>
+                      </a:schemeClr>
+                    </a:gs>
+                    <a:gs pos="100000">
+                      <a:schemeClr val="accent1"/>
+                    </a:gs>
+                  </a:gsLst>
+                  <a:lin ang="2700000" scaled="1"/>
+                </a:gradFill>
+              </a:ln>
+              <a:noFill/>
+              <a:effectLst/>
+              <a:latin typeface="OPPOSans M" panose="00020600040101010101" pitchFamily="18" charset="-122"/>
+              <a:ea typeface="OPPOSans M" panose="00020600040101010101" pitchFamily="18" charset="-122"/>
+              <a:cs typeface="OPPOSans M" panose="00020600040101010101" pitchFamily="18" charset="-122"/>
+              <a:sym typeface="OPPOSans M" panose="00020600040101010101" pitchFamily="18" charset="-122"/>
+            </a:endParaRPr>
           </a:p>
         </p:txBody>
       </p:sp>
@@ -29988,6 +30875,676 @@
         <p:sp>
           <p:nvSpPr>
             <p:cNvPr id="29" name="任意多边形 17"/>
+            <p:cNvSpPr/>
+            <p:nvPr>
+              <p:custDataLst>
+                <p:tags r:id="rId3"/>
+              </p:custDataLst>
+            </p:nvPr>
+          </p:nvSpPr>
+          <p:spPr>
+            <a:xfrm flipV="1">
+              <a:off x="1115616" y="1077584"/>
+              <a:ext cx="1224136" cy="2562492"/>
+            </a:xfrm>
+            <a:custGeom>
+              <a:avLst/>
+              <a:gdLst>
+                <a:gd name="connsiteX0" fmla="*/ 213563 w 1224136"/>
+                <a:gd name="connsiteY0" fmla="*/ 2562492 h 2562492"/>
+                <a:gd name="connsiteX1" fmla="*/ 1010573 w 1224136"/>
+                <a:gd name="connsiteY1" fmla="*/ 2562492 h 2562492"/>
+                <a:gd name="connsiteX2" fmla="*/ 1224136 w 1224136"/>
+                <a:gd name="connsiteY2" fmla="*/ 2348929 h 2562492"/>
+                <a:gd name="connsiteX3" fmla="*/ 1224136 w 1224136"/>
+                <a:gd name="connsiteY3" fmla="*/ 399791 h 2562492"/>
+                <a:gd name="connsiteX4" fmla="*/ 1010573 w 1224136"/>
+                <a:gd name="connsiteY4" fmla="*/ 186228 h 2562492"/>
+                <a:gd name="connsiteX5" fmla="*/ 720080 w 1224136"/>
+                <a:gd name="connsiteY5" fmla="*/ 186228 h 2562492"/>
+                <a:gd name="connsiteX6" fmla="*/ 612068 w 1224136"/>
+                <a:gd name="connsiteY6" fmla="*/ 0 h 2562492"/>
+                <a:gd name="connsiteX7" fmla="*/ 504056 w 1224136"/>
+                <a:gd name="connsiteY7" fmla="*/ 186228 h 2562492"/>
+                <a:gd name="connsiteX8" fmla="*/ 213563 w 1224136"/>
+                <a:gd name="connsiteY8" fmla="*/ 186228 h 2562492"/>
+                <a:gd name="connsiteX9" fmla="*/ 0 w 1224136"/>
+                <a:gd name="connsiteY9" fmla="*/ 399791 h 2562492"/>
+                <a:gd name="connsiteX10" fmla="*/ 0 w 1224136"/>
+                <a:gd name="connsiteY10" fmla="*/ 2348929 h 2562492"/>
+                <a:gd name="connsiteX11" fmla="*/ 213563 w 1224136"/>
+                <a:gd name="connsiteY11" fmla="*/ 2562492 h 2562492"/>
+              </a:gdLst>
+              <a:ahLst/>
+              <a:cxnLst>
+                <a:cxn ang="0">
+                  <a:pos x="connsiteX0" y="connsiteY0"/>
+                </a:cxn>
+                <a:cxn ang="0">
+                  <a:pos x="connsiteX1" y="connsiteY1"/>
+                </a:cxn>
+                <a:cxn ang="0">
+                  <a:pos x="connsiteX2" y="connsiteY2"/>
+                </a:cxn>
+                <a:cxn ang="0">
+                  <a:pos x="connsiteX3" y="connsiteY3"/>
+                </a:cxn>
+                <a:cxn ang="0">
+                  <a:pos x="connsiteX4" y="connsiteY4"/>
+                </a:cxn>
+                <a:cxn ang="0">
+                  <a:pos x="connsiteX5" y="connsiteY5"/>
+                </a:cxn>
+                <a:cxn ang="0">
+                  <a:pos x="connsiteX6" y="connsiteY6"/>
+                </a:cxn>
+                <a:cxn ang="0">
+                  <a:pos x="connsiteX7" y="connsiteY7"/>
+                </a:cxn>
+                <a:cxn ang="0">
+                  <a:pos x="connsiteX8" y="connsiteY8"/>
+                </a:cxn>
+                <a:cxn ang="0">
+                  <a:pos x="connsiteX9" y="connsiteY9"/>
+                </a:cxn>
+                <a:cxn ang="0">
+                  <a:pos x="connsiteX10" y="connsiteY10"/>
+                </a:cxn>
+                <a:cxn ang="0">
+                  <a:pos x="connsiteX11" y="connsiteY11"/>
+                </a:cxn>
+              </a:cxnLst>
+              <a:rect l="l" t="t" r="r" b="b"/>
+              <a:pathLst>
+                <a:path w="1224136" h="2562492">
+                  <a:moveTo>
+                    <a:pt x="213563" y="2562492"/>
+                  </a:moveTo>
+                  <a:lnTo>
+                    <a:pt x="1010573" y="2562492"/>
+                  </a:lnTo>
+                  <a:cubicBezTo>
+                    <a:pt x="1128521" y="2562492"/>
+                    <a:pt x="1224136" y="2466877"/>
+                    <a:pt x="1224136" y="2348929"/>
+                  </a:cubicBezTo>
+                  <a:lnTo>
+                    <a:pt x="1224136" y="399791"/>
+                  </a:lnTo>
+                  <a:cubicBezTo>
+                    <a:pt x="1224136" y="281843"/>
+                    <a:pt x="1128521" y="186228"/>
+                    <a:pt x="1010573" y="186228"/>
+                  </a:cubicBezTo>
+                  <a:lnTo>
+                    <a:pt x="720080" y="186228"/>
+                  </a:lnTo>
+                  <a:lnTo>
+                    <a:pt x="612068" y="0"/>
+                  </a:lnTo>
+                  <a:lnTo>
+                    <a:pt x="504056" y="186228"/>
+                  </a:lnTo>
+                  <a:lnTo>
+                    <a:pt x="213563" y="186228"/>
+                  </a:lnTo>
+                  <a:cubicBezTo>
+                    <a:pt x="95615" y="186228"/>
+                    <a:pt x="0" y="281843"/>
+                    <a:pt x="0" y="399791"/>
+                  </a:cubicBezTo>
+                  <a:lnTo>
+                    <a:pt x="0" y="2348929"/>
+                  </a:lnTo>
+                  <a:cubicBezTo>
+                    <a:pt x="0" y="2466877"/>
+                    <a:pt x="95615" y="2562492"/>
+                    <a:pt x="213563" y="2562492"/>
+                  </a:cubicBezTo>
+                  <a:close/>
+                </a:path>
+              </a:pathLst>
+            </a:custGeom>
+            <a:solidFill>
+              <a:schemeClr val="bg1"/>
+            </a:solidFill>
+            <a:ln w="6350">
+              <a:solidFill>
+                <a:schemeClr val="bg1">
+                  <a:lumMod val="85000"/>
+                </a:schemeClr>
+              </a:solidFill>
+            </a:ln>
+            <a:effectLst/>
+          </p:spPr>
+          <p:style>
+            <a:lnRef idx="2">
+              <a:schemeClr val="accent1">
+                <a:shade val="50000"/>
+              </a:schemeClr>
+            </a:lnRef>
+            <a:fillRef idx="1">
+              <a:schemeClr val="accent1"/>
+            </a:fillRef>
+            <a:effectRef idx="0">
+              <a:schemeClr val="accent1"/>
+            </a:effectRef>
+            <a:fontRef idx="minor">
+              <a:schemeClr val="lt1"/>
+            </a:fontRef>
+          </p:style>
+          <p:txBody>
+            <a:bodyPr rtlCol="0" anchor="ctr"/>
+            <a:lstStyle/>
+            <a:p>
+              <a:pPr marL="0" marR="0" lvl="0" indent="0" algn="ctr" defTabSz="914400" rtl="0" eaLnBrk="1" fontAlgn="auto" latinLnBrk="0" hangingPunct="1">
+                <a:lnSpc>
+                  <a:spcPct val="100000"/>
+                </a:lnSpc>
+                <a:spcBef>
+                  <a:spcPts val="0"/>
+                </a:spcBef>
+                <a:spcAft>
+                  <a:spcPts val="0"/>
+                </a:spcAft>
+                <a:buClrTx/>
+                <a:buSzTx/>
+                <a:buFontTx/>
+                <a:buNone/>
+                <a:defRPr/>
+              </a:pPr>
+              <a:endParaRPr kumimoji="0" lang="zh-CN" altLang="en-US" sz="2400" b="0" i="0" u="none" strike="noStrike" kern="1200" cap="none" spc="0" normalizeH="0" baseline="0" noProof="0" dirty="0">
+                <a:ln>
+                  <a:noFill/>
+                </a:ln>
+                <a:solidFill>
+                  <a:prstClr val="white"/>
+                </a:solidFill>
+                <a:effectLst/>
+                <a:uLnTx/>
+                <a:uFillTx/>
+                <a:latin typeface="OPPOSans R" panose="00020600040101010101" pitchFamily="18" charset="-122"/>
+                <a:ea typeface="OPPOSans R" panose="00020600040101010101" pitchFamily="18" charset="-122"/>
+                <a:cs typeface="OPPOSans B" panose="00020600040101010101" pitchFamily="18" charset="-122"/>
+              </a:endParaRPr>
+            </a:p>
+          </p:txBody>
+        </p:sp>
+        <p:sp>
+          <p:nvSpPr>
+            <p:cNvPr id="30" name="圆角矩形 18"/>
+            <p:cNvSpPr/>
+            <p:nvPr>
+              <p:custDataLst>
+                <p:tags r:id="rId4"/>
+              </p:custDataLst>
+            </p:nvPr>
+          </p:nvSpPr>
+          <p:spPr>
+            <a:xfrm>
+              <a:off x="1259632" y="1216298"/>
+              <a:ext cx="936104" cy="2088232"/>
+            </a:xfrm>
+            <a:prstGeom prst="roundRect">
+              <a:avLst>
+                <a:gd name="adj" fmla="val 14632"/>
+              </a:avLst>
+            </a:prstGeom>
+            <a:solidFill>
+              <a:schemeClr val="accent1"/>
+            </a:solidFill>
+            <a:ln>
+              <a:noFill/>
+            </a:ln>
+            <a:effectLst>
+              <a:innerShdw blurRad="63500" dist="50800" dir="18900000">
+                <a:prstClr val="black">
+                  <a:alpha val="33000"/>
+                </a:prstClr>
+              </a:innerShdw>
+            </a:effectLst>
+          </p:spPr>
+          <p:style>
+            <a:lnRef idx="2">
+              <a:schemeClr val="accent1">
+                <a:shade val="50000"/>
+              </a:schemeClr>
+            </a:lnRef>
+            <a:fillRef idx="1">
+              <a:schemeClr val="accent1"/>
+            </a:fillRef>
+            <a:effectRef idx="0">
+              <a:schemeClr val="accent1"/>
+            </a:effectRef>
+            <a:fontRef idx="minor">
+              <a:schemeClr val="lt1"/>
+            </a:fontRef>
+          </p:style>
+          <p:txBody>
+            <a:bodyPr rtlCol="0" anchor="ctr"/>
+            <a:lstStyle/>
+            <a:p>
+              <a:pPr marL="0" marR="0" lvl="0" indent="0" algn="ctr" defTabSz="914400" rtl="0" eaLnBrk="1" fontAlgn="auto" latinLnBrk="0" hangingPunct="1">
+                <a:lnSpc>
+                  <a:spcPct val="100000"/>
+                </a:lnSpc>
+                <a:spcBef>
+                  <a:spcPts val="0"/>
+                </a:spcBef>
+                <a:spcAft>
+                  <a:spcPts val="0"/>
+                </a:spcAft>
+                <a:buClrTx/>
+                <a:buSzTx/>
+                <a:buFontTx/>
+                <a:buNone/>
+                <a:defRPr/>
+              </a:pPr>
+              <a:endParaRPr kumimoji="0" lang="zh-CN" altLang="en-US" sz="2400" b="0" i="0" u="none" strike="noStrike" kern="1200" cap="none" spc="0" normalizeH="0" baseline="0" noProof="0" dirty="0">
+                <a:ln>
+                  <a:noFill/>
+                </a:ln>
+                <a:solidFill>
+                  <a:prstClr val="white"/>
+                </a:solidFill>
+                <a:effectLst/>
+                <a:uLnTx/>
+                <a:uFillTx/>
+                <a:latin typeface="OPPOSans R" panose="00020600040101010101" pitchFamily="18" charset="-122"/>
+                <a:ea typeface="OPPOSans R" panose="00020600040101010101" pitchFamily="18" charset="-122"/>
+                <a:cs typeface="OPPOSans B" panose="00020600040101010101" pitchFamily="18" charset="-122"/>
+              </a:endParaRPr>
+            </a:p>
+          </p:txBody>
+        </p:sp>
+        <p:sp>
+          <p:nvSpPr>
+            <p:cNvPr id="31" name="矩形 30"/>
+            <p:cNvSpPr/>
+            <p:nvPr>
+              <p:custDataLst>
+                <p:tags r:id="rId5"/>
+              </p:custDataLst>
+            </p:nvPr>
+          </p:nvSpPr>
+          <p:spPr>
+            <a:xfrm>
+              <a:off x="1257002" y="1851670"/>
+              <a:ext cx="938733" cy="360040"/>
+            </a:xfrm>
+            <a:prstGeom prst="rect">
+              <a:avLst/>
+            </a:prstGeom>
+            <a:solidFill>
+              <a:schemeClr val="bg1">
+                <a:lumMod val="95000"/>
+              </a:schemeClr>
+            </a:solidFill>
+            <a:ln>
+              <a:noFill/>
+            </a:ln>
+          </p:spPr>
+          <p:style>
+            <a:lnRef idx="2">
+              <a:schemeClr val="accent1">
+                <a:shade val="50000"/>
+              </a:schemeClr>
+            </a:lnRef>
+            <a:fillRef idx="1">
+              <a:schemeClr val="accent1"/>
+            </a:fillRef>
+            <a:effectRef idx="0">
+              <a:schemeClr val="accent1"/>
+            </a:effectRef>
+            <a:fontRef idx="minor">
+              <a:schemeClr val="lt1"/>
+            </a:fontRef>
+          </p:style>
+          <p:txBody>
+            <a:bodyPr rtlCol="0" anchor="ctr"/>
+            <a:lstStyle/>
+            <a:p>
+              <a:pPr marL="0" marR="0" lvl="0" indent="0" algn="ctr" defTabSz="914400" rtl="0" eaLnBrk="1" fontAlgn="auto" latinLnBrk="0" hangingPunct="1">
+                <a:lnSpc>
+                  <a:spcPct val="100000"/>
+                </a:lnSpc>
+                <a:spcBef>
+                  <a:spcPts val="0"/>
+                </a:spcBef>
+                <a:spcAft>
+                  <a:spcPts val="0"/>
+                </a:spcAft>
+                <a:buClrTx/>
+                <a:buSzTx/>
+                <a:buFontTx/>
+                <a:buNone/>
+                <a:defRPr/>
+              </a:pPr>
+              <a:endParaRPr kumimoji="0" lang="zh-CN" altLang="en-US" sz="2000" b="1" i="0" u="none" strike="noStrike" kern="1200" cap="none" spc="0" normalizeH="0" baseline="0" noProof="0" dirty="0">
+                <a:ln>
+                  <a:noFill/>
+                </a:ln>
+                <a:solidFill>
+                  <a:srgbClr val="000000"/>
+                </a:solidFill>
+                <a:effectLst/>
+                <a:uLnTx/>
+                <a:uFillTx/>
+                <a:latin typeface="OPPOSans R" panose="00020600040101010101" pitchFamily="18" charset="-122"/>
+                <a:ea typeface="OPPOSans R" panose="00020600040101010101" pitchFamily="18" charset="-122"/>
+                <a:cs typeface="OPPOSans R" panose="00020600040101010101" pitchFamily="18" charset="-122"/>
+              </a:endParaRPr>
+            </a:p>
+          </p:txBody>
+        </p:sp>
+        <p:sp>
+          <p:nvSpPr>
+            <p:cNvPr id="32" name="文本框 16"/>
+            <p:cNvSpPr txBox="1"/>
+            <p:nvPr>
+              <p:custDataLst>
+                <p:tags r:id="rId6"/>
+              </p:custDataLst>
+            </p:nvPr>
+          </p:nvSpPr>
+          <p:spPr>
+            <a:xfrm>
+              <a:off x="1384724" y="1369384"/>
+              <a:ext cx="683569" cy="359530"/>
+            </a:xfrm>
+            <a:prstGeom prst="rect">
+              <a:avLst/>
+            </a:prstGeom>
+            <a:noFill/>
+          </p:spPr>
+          <p:txBody>
+            <a:bodyPr wrap="square" rtlCol="0">
+              <a:spAutoFit/>
+            </a:bodyPr>
+            <a:lstStyle/>
+            <a:p>
+              <a:pPr marL="0" marR="0" lvl="0" indent="0" algn="ctr" defTabSz="914400" rtl="0" eaLnBrk="1" fontAlgn="auto" latinLnBrk="0" hangingPunct="1">
+                <a:lnSpc>
+                  <a:spcPct val="100000"/>
+                </a:lnSpc>
+                <a:spcBef>
+                  <a:spcPts val="0"/>
+                </a:spcBef>
+                <a:spcAft>
+                  <a:spcPts val="0"/>
+                </a:spcAft>
+                <a:buClrTx/>
+                <a:buSzTx/>
+                <a:buFontTx/>
+                <a:buNone/>
+                <a:defRPr/>
+              </a:pPr>
+              <a:r>
+                <a:rPr kumimoji="0" lang="en-US" altLang="zh-CN" sz="2800" b="1" i="0" u="none" strike="noStrike" kern="1200" cap="none" spc="300" normalizeH="0" baseline="0" noProof="0" dirty="0">
+                  <a:ln>
+                    <a:noFill/>
+                  </a:ln>
+                  <a:solidFill>
+                    <a:prstClr val="white"/>
+                  </a:solidFill>
+                  <a:effectLst/>
+                  <a:uLnTx/>
+                  <a:uFillTx/>
+                  <a:latin typeface="OPPOSans R" panose="00020600040101010101" pitchFamily="18" charset="-122"/>
+                  <a:ea typeface="OPPOSans R" panose="00020600040101010101" pitchFamily="18" charset="-122"/>
+                  <a:cs typeface="OPPOSans R" panose="00020600040101010101" pitchFamily="18" charset="-122"/>
+                </a:rPr>
+                <a:t>1</a:t>
+              </a:r>
+              <a:endParaRPr kumimoji="0" lang="en-US" altLang="zh-CN" sz="2800" b="1" i="0" u="none" strike="noStrike" kern="1200" cap="none" spc="300" normalizeH="0" baseline="0" noProof="0" dirty="0">
+                <a:ln>
+                  <a:noFill/>
+                </a:ln>
+                <a:solidFill>
+                  <a:prstClr val="white"/>
+                </a:solidFill>
+                <a:effectLst/>
+                <a:uLnTx/>
+                <a:uFillTx/>
+                <a:latin typeface="OPPOSans R" panose="00020600040101010101" pitchFamily="18" charset="-122"/>
+                <a:ea typeface="OPPOSans R" panose="00020600040101010101" pitchFamily="18" charset="-122"/>
+                <a:cs typeface="OPPOSans R" panose="00020600040101010101" pitchFamily="18" charset="-122"/>
+              </a:endParaRPr>
+            </a:p>
+          </p:txBody>
+        </p:sp>
+        <p:sp>
+          <p:nvSpPr>
+            <p:cNvPr id="33" name="文本框 17"/>
+            <p:cNvSpPr txBox="1"/>
+            <p:nvPr>
+              <p:custDataLst>
+                <p:tags r:id="rId7"/>
+              </p:custDataLst>
+            </p:nvPr>
+          </p:nvSpPr>
+          <p:spPr>
+            <a:xfrm>
+              <a:off x="1257000" y="2330057"/>
+              <a:ext cx="938732" cy="571662"/>
+            </a:xfrm>
+            <a:prstGeom prst="rect">
+              <a:avLst/>
+            </a:prstGeom>
+            <a:noFill/>
+          </p:spPr>
+          <p:txBody>
+            <a:bodyPr wrap="square" rtlCol="0">
+              <a:spAutoFit/>
+            </a:bodyPr>
+            <a:lstStyle/>
+            <a:p>
+              <a:pPr marL="0" marR="0" lvl="0" indent="0" algn="ctr" defTabSz="914400" rtl="0" eaLnBrk="1" fontAlgn="auto" latinLnBrk="0" hangingPunct="1">
+                <a:lnSpc>
+                  <a:spcPct val="150000"/>
+                </a:lnSpc>
+                <a:spcBef>
+                  <a:spcPts val="0"/>
+                </a:spcBef>
+                <a:spcAft>
+                  <a:spcPts val="0"/>
+                </a:spcAft>
+                <a:buClrTx/>
+                <a:buSzTx/>
+                <a:buFontTx/>
+                <a:buNone/>
+                <a:defRPr/>
+              </a:pPr>
+              <a:r>
+                <a:rPr kumimoji="0" lang="zh-CN" altLang="en-US" sz="1600" b="0" i="0" u="none" strike="noStrike" kern="1200" cap="none" spc="0" normalizeH="0" baseline="0" noProof="0" dirty="0">
+                  <a:ln>
+                    <a:noFill/>
+                  </a:ln>
+                  <a:solidFill>
+                    <a:prstClr val="white"/>
+                  </a:solidFill>
+                  <a:effectLst/>
+                  <a:uLnTx/>
+                  <a:uFillTx/>
+                  <a:latin typeface="OPPOSans R" panose="00020600040101010101" pitchFamily="18" charset="-122"/>
+                  <a:ea typeface="OPPOSans R" panose="00020600040101010101" pitchFamily="18" charset="-122"/>
+                  <a:cs typeface="OPPOSans B" panose="00020600040101010101" pitchFamily="18" charset="-122"/>
+                </a:rPr>
+                <a:t>InternLM-</a:t>
+              </a:r>
+              <a:r>
+                <a:rPr kumimoji="0" lang="en-US" altLang="zh-CN" sz="1600" b="0" i="0" u="none" strike="noStrike" kern="1200" cap="none" spc="0" normalizeH="0" baseline="0" noProof="0" dirty="0">
+                  <a:ln>
+                    <a:noFill/>
+                  </a:ln>
+                  <a:solidFill>
+                    <a:prstClr val="white"/>
+                  </a:solidFill>
+                  <a:effectLst/>
+                  <a:uLnTx/>
+                  <a:uFillTx/>
+                  <a:latin typeface="OPPOSans R" panose="00020600040101010101" pitchFamily="18" charset="-122"/>
+                  <a:ea typeface="OPPOSans R" panose="00020600040101010101" pitchFamily="18" charset="-122"/>
+                  <a:cs typeface="OPPOSans B" panose="00020600040101010101" pitchFamily="18" charset="-122"/>
+                </a:rPr>
+                <a:t>C</a:t>
+              </a:r>
+              <a:r>
+                <a:rPr kumimoji="0" lang="zh-CN" altLang="en-US" sz="1600" b="0" i="0" u="none" strike="noStrike" kern="1200" cap="none" spc="0" normalizeH="0" baseline="0" noProof="0" dirty="0">
+                  <a:ln>
+                    <a:noFill/>
+                  </a:ln>
+                  <a:solidFill>
+                    <a:prstClr val="white"/>
+                  </a:solidFill>
+                  <a:effectLst/>
+                  <a:uLnTx/>
+                  <a:uFillTx/>
+                  <a:latin typeface="OPPOSans R" panose="00020600040101010101" pitchFamily="18" charset="-122"/>
+                  <a:ea typeface="OPPOSans R" panose="00020600040101010101" pitchFamily="18" charset="-122"/>
+                  <a:cs typeface="OPPOSans B" panose="00020600040101010101" pitchFamily="18" charset="-122"/>
+                </a:rPr>
+                <a:t>hat-7</a:t>
+              </a:r>
+              <a:r>
+                <a:rPr kumimoji="0" lang="en-US" altLang="zh-CN" sz="1600" b="0" i="0" u="none" strike="noStrike" kern="1200" cap="none" spc="0" normalizeH="0" baseline="0" noProof="0" dirty="0">
+                  <a:ln>
+                    <a:noFill/>
+                  </a:ln>
+                  <a:solidFill>
+                    <a:prstClr val="white"/>
+                  </a:solidFill>
+                  <a:effectLst/>
+                  <a:uLnTx/>
+                  <a:uFillTx/>
+                  <a:latin typeface="OPPOSans R" panose="00020600040101010101" pitchFamily="18" charset="-122"/>
+                  <a:ea typeface="OPPOSans R" panose="00020600040101010101" pitchFamily="18" charset="-122"/>
+                  <a:cs typeface="OPPOSans B" panose="00020600040101010101" pitchFamily="18" charset="-122"/>
+                </a:rPr>
+                <a:t>B</a:t>
+              </a:r>
+              <a:endParaRPr kumimoji="0" lang="en-US" altLang="zh-CN" sz="1600" b="0" i="0" u="none" strike="noStrike" kern="1200" cap="none" spc="0" normalizeH="0" baseline="0" noProof="0" dirty="0">
+                <a:ln>
+                  <a:noFill/>
+                </a:ln>
+                <a:solidFill>
+                  <a:prstClr val="white"/>
+                </a:solidFill>
+                <a:effectLst/>
+                <a:uLnTx/>
+                <a:uFillTx/>
+                <a:latin typeface="OPPOSans R" panose="00020600040101010101" pitchFamily="18" charset="-122"/>
+                <a:ea typeface="OPPOSans R" panose="00020600040101010101" pitchFamily="18" charset="-122"/>
+                <a:cs typeface="OPPOSans B" panose="00020600040101010101" pitchFamily="18" charset="-122"/>
+              </a:endParaRPr>
+            </a:p>
+          </p:txBody>
+        </p:sp>
+      </p:grpSp>
+      <p:sp>
+        <p:nvSpPr>
+          <p:cNvPr id="22" name="椭圆 21"/>
+          <p:cNvSpPr/>
+          <p:nvPr>
+            <p:custDataLst>
+              <p:tags r:id="rId8"/>
+            </p:custDataLst>
+          </p:nvPr>
+        </p:nvSpPr>
+        <p:spPr>
+          <a:xfrm>
+            <a:off x="4457455" y="5495175"/>
+            <a:ext cx="313668" cy="313625"/>
+          </a:xfrm>
+          <a:prstGeom prst="ellipse">
+            <a:avLst/>
+          </a:prstGeom>
+          <a:solidFill>
+            <a:schemeClr val="bg1"/>
+          </a:solidFill>
+          <a:ln w="38100">
+            <a:solidFill>
+              <a:schemeClr val="accent2"/>
+            </a:solidFill>
+          </a:ln>
+          <a:effectLst>
+            <a:outerShdw blurRad="50800" dist="38100" dir="5400000" algn="t" rotWithShape="0">
+              <a:prstClr val="black">
+                <a:alpha val="29000"/>
+              </a:prstClr>
+            </a:outerShdw>
+          </a:effectLst>
+        </p:spPr>
+        <p:style>
+          <a:lnRef idx="2">
+            <a:schemeClr val="accent1">
+              <a:shade val="50000"/>
+            </a:schemeClr>
+          </a:lnRef>
+          <a:fillRef idx="1">
+            <a:schemeClr val="accent1"/>
+          </a:fillRef>
+          <a:effectRef idx="0">
+            <a:schemeClr val="accent1"/>
+          </a:effectRef>
+          <a:fontRef idx="minor">
+            <a:schemeClr val="lt1"/>
+          </a:fontRef>
+        </p:style>
+        <p:txBody>
+          <a:bodyPr lIns="121884" tIns="60941" rIns="121884" bIns="60941" rtlCol="0" anchor="ctr"/>
+          <a:lstStyle/>
+          <a:p>
+            <a:pPr marL="0" marR="0" lvl="0" indent="0" algn="ctr" defTabSz="914400" rtl="0" eaLnBrk="1" fontAlgn="auto" latinLnBrk="0" hangingPunct="1">
+              <a:lnSpc>
+                <a:spcPct val="100000"/>
+              </a:lnSpc>
+              <a:spcBef>
+                <a:spcPts val="0"/>
+              </a:spcBef>
+              <a:spcAft>
+                <a:spcPts val="0"/>
+              </a:spcAft>
+              <a:buClrTx/>
+              <a:buSzTx/>
+              <a:buFontTx/>
+              <a:buNone/>
+              <a:defRPr/>
+            </a:pPr>
+            <a:endParaRPr kumimoji="0" lang="zh-CN" altLang="en-US" sz="2400" b="0" i="0" u="none" strike="noStrike" kern="1200" cap="none" spc="0" normalizeH="0" baseline="0" noProof="0" dirty="0">
+              <a:ln>
+                <a:noFill/>
+              </a:ln>
+              <a:solidFill>
+                <a:prstClr val="white"/>
+              </a:solidFill>
+              <a:effectLst/>
+              <a:uLnTx/>
+              <a:uFillTx/>
+              <a:latin typeface="OPPOSans R" panose="00020600040101010101" pitchFamily="18" charset="-122"/>
+              <a:ea typeface="OPPOSans R" panose="00020600040101010101" pitchFamily="18" charset="-122"/>
+              <a:cs typeface="OPPOSans B" panose="00020600040101010101" pitchFamily="18" charset="-122"/>
+            </a:endParaRPr>
+          </a:p>
+        </p:txBody>
+      </p:sp>
+      <p:grpSp>
+        <p:nvGrpSpPr>
+          <p:cNvPr id="23" name="组合 22"/>
+          <p:cNvGrpSpPr/>
+          <p:nvPr/>
+        </p:nvGrpSpPr>
+        <p:grpSpPr>
+          <a:xfrm>
+            <a:off x="3697903" y="1585636"/>
+            <a:ext cx="1777453" cy="3720253"/>
+            <a:chOff x="1115616" y="1077584"/>
+            <a:chExt cx="1224136" cy="2562492"/>
+          </a:xfrm>
+        </p:grpSpPr>
+        <p:sp>
+          <p:nvSpPr>
+            <p:cNvPr id="47" name="任意多边形 24"/>
             <p:cNvSpPr/>
             <p:nvPr>
               <p:custDataLst>
@@ -30185,653 +31742,11 @@
         </p:sp>
         <p:sp>
           <p:nvSpPr>
-            <p:cNvPr id="30" name="圆角矩形 18"/>
+            <p:cNvPr id="48" name="圆角矩形 25"/>
             <p:cNvSpPr/>
             <p:nvPr>
               <p:custDataLst>
                 <p:tags r:id="rId10"/>
-              </p:custDataLst>
-            </p:nvPr>
-          </p:nvSpPr>
-          <p:spPr>
-            <a:xfrm>
-              <a:off x="1259632" y="1216298"/>
-              <a:ext cx="936104" cy="2088232"/>
-            </a:xfrm>
-            <a:prstGeom prst="roundRect">
-              <a:avLst>
-                <a:gd name="adj" fmla="val 14632"/>
-              </a:avLst>
-            </a:prstGeom>
-            <a:solidFill>
-              <a:schemeClr val="accent1"/>
-            </a:solidFill>
-            <a:ln>
-              <a:noFill/>
-            </a:ln>
-            <a:effectLst>
-              <a:innerShdw blurRad="63500" dist="50800" dir="18900000">
-                <a:prstClr val="black">
-                  <a:alpha val="33000"/>
-                </a:prstClr>
-              </a:innerShdw>
-            </a:effectLst>
-          </p:spPr>
-          <p:style>
-            <a:lnRef idx="2">
-              <a:schemeClr val="accent1">
-                <a:shade val="50000"/>
-              </a:schemeClr>
-            </a:lnRef>
-            <a:fillRef idx="1">
-              <a:schemeClr val="accent1"/>
-            </a:fillRef>
-            <a:effectRef idx="0">
-              <a:schemeClr val="accent1"/>
-            </a:effectRef>
-            <a:fontRef idx="minor">
-              <a:schemeClr val="lt1"/>
-            </a:fontRef>
-          </p:style>
-          <p:txBody>
-            <a:bodyPr rtlCol="0" anchor="ctr"/>
-            <a:lstStyle/>
-            <a:p>
-              <a:pPr marL="0" marR="0" lvl="0" indent="0" algn="ctr" defTabSz="914400" rtl="0" eaLnBrk="1" fontAlgn="auto" latinLnBrk="0" hangingPunct="1">
-                <a:lnSpc>
-                  <a:spcPct val="100000"/>
-                </a:lnSpc>
-                <a:spcBef>
-                  <a:spcPts val="0"/>
-                </a:spcBef>
-                <a:spcAft>
-                  <a:spcPts val="0"/>
-                </a:spcAft>
-                <a:buClrTx/>
-                <a:buSzTx/>
-                <a:buFontTx/>
-                <a:buNone/>
-                <a:defRPr/>
-              </a:pPr>
-              <a:endParaRPr kumimoji="0" lang="zh-CN" altLang="en-US" sz="2400" b="0" i="0" u="none" strike="noStrike" kern="1200" cap="none" spc="0" normalizeH="0" baseline="0" noProof="0" dirty="0">
-                <a:ln>
-                  <a:noFill/>
-                </a:ln>
-                <a:solidFill>
-                  <a:prstClr val="white"/>
-                </a:solidFill>
-                <a:effectLst/>
-                <a:uLnTx/>
-                <a:uFillTx/>
-                <a:latin typeface="OPPOSans R" panose="00020600040101010101" pitchFamily="18" charset="-122"/>
-                <a:ea typeface="OPPOSans R" panose="00020600040101010101" pitchFamily="18" charset="-122"/>
-                <a:cs typeface="OPPOSans B" panose="00020600040101010101" pitchFamily="18" charset="-122"/>
-              </a:endParaRPr>
-            </a:p>
-          </p:txBody>
-        </p:sp>
-        <p:sp>
-          <p:nvSpPr>
-            <p:cNvPr id="31" name="矩形 30"/>
-            <p:cNvSpPr/>
-            <p:nvPr>
-              <p:custDataLst>
-                <p:tags r:id="rId11"/>
-              </p:custDataLst>
-            </p:nvPr>
-          </p:nvSpPr>
-          <p:spPr>
-            <a:xfrm>
-              <a:off x="1257002" y="1851670"/>
-              <a:ext cx="938733" cy="360040"/>
-            </a:xfrm>
-            <a:prstGeom prst="rect">
-              <a:avLst/>
-            </a:prstGeom>
-            <a:solidFill>
-              <a:schemeClr val="bg1">
-                <a:lumMod val="95000"/>
-              </a:schemeClr>
-            </a:solidFill>
-            <a:ln>
-              <a:noFill/>
-            </a:ln>
-          </p:spPr>
-          <p:style>
-            <a:lnRef idx="2">
-              <a:schemeClr val="accent1">
-                <a:shade val="50000"/>
-              </a:schemeClr>
-            </a:lnRef>
-            <a:fillRef idx="1">
-              <a:schemeClr val="accent1"/>
-            </a:fillRef>
-            <a:effectRef idx="0">
-              <a:schemeClr val="accent1"/>
-            </a:effectRef>
-            <a:fontRef idx="minor">
-              <a:schemeClr val="lt1"/>
-            </a:fontRef>
-          </p:style>
-          <p:txBody>
-            <a:bodyPr rtlCol="0" anchor="ctr"/>
-            <a:lstStyle/>
-            <a:p>
-              <a:pPr marL="0" marR="0" lvl="0" indent="0" algn="ctr" defTabSz="914400" rtl="0" eaLnBrk="1" fontAlgn="auto" latinLnBrk="0" hangingPunct="1">
-                <a:lnSpc>
-                  <a:spcPct val="100000"/>
-                </a:lnSpc>
-                <a:spcBef>
-                  <a:spcPts val="0"/>
-                </a:spcBef>
-                <a:spcAft>
-                  <a:spcPts val="0"/>
-                </a:spcAft>
-                <a:buClrTx/>
-                <a:buSzTx/>
-                <a:buFontTx/>
-                <a:buNone/>
-                <a:defRPr/>
-              </a:pPr>
-              <a:endParaRPr kumimoji="0" lang="zh-CN" altLang="en-US" sz="2000" b="1" i="0" u="none" strike="noStrike" kern="1200" cap="none" spc="0" normalizeH="0" baseline="0" noProof="0" dirty="0">
-                <a:ln>
-                  <a:noFill/>
-                </a:ln>
-                <a:solidFill>
-                  <a:srgbClr val="000000"/>
-                </a:solidFill>
-                <a:effectLst/>
-                <a:uLnTx/>
-                <a:uFillTx/>
-                <a:latin typeface="OPPOSans R" panose="00020600040101010101" pitchFamily="18" charset="-122"/>
-                <a:ea typeface="OPPOSans R" panose="00020600040101010101" pitchFamily="18" charset="-122"/>
-                <a:cs typeface="OPPOSans R" panose="00020600040101010101" pitchFamily="18" charset="-122"/>
-              </a:endParaRPr>
-            </a:p>
-          </p:txBody>
-        </p:sp>
-        <p:sp>
-          <p:nvSpPr>
-            <p:cNvPr id="32" name="文本框 16"/>
-            <p:cNvSpPr txBox="1"/>
-            <p:nvPr>
-              <p:custDataLst>
-                <p:tags r:id="rId12"/>
-              </p:custDataLst>
-            </p:nvPr>
-          </p:nvSpPr>
-          <p:spPr>
-            <a:xfrm>
-              <a:off x="1384724" y="1369384"/>
-              <a:ext cx="683569" cy="359530"/>
-            </a:xfrm>
-            <a:prstGeom prst="rect">
-              <a:avLst/>
-            </a:prstGeom>
-            <a:noFill/>
-          </p:spPr>
-          <p:txBody>
-            <a:bodyPr wrap="square" rtlCol="0">
-              <a:spAutoFit/>
-            </a:bodyPr>
-            <a:lstStyle/>
-            <a:p>
-              <a:pPr marL="0" marR="0" lvl="0" indent="0" algn="ctr" defTabSz="914400" rtl="0" eaLnBrk="1" fontAlgn="auto" latinLnBrk="0" hangingPunct="1">
-                <a:lnSpc>
-                  <a:spcPct val="100000"/>
-                </a:lnSpc>
-                <a:spcBef>
-                  <a:spcPts val="0"/>
-                </a:spcBef>
-                <a:spcAft>
-                  <a:spcPts val="0"/>
-                </a:spcAft>
-                <a:buClrTx/>
-                <a:buSzTx/>
-                <a:buFontTx/>
-                <a:buNone/>
-                <a:defRPr/>
-              </a:pPr>
-              <a:r>
-                <a:rPr kumimoji="0" lang="en-US" altLang="zh-CN" sz="2800" b="1" i="0" u="none" strike="noStrike" kern="1200" cap="none" spc="300" normalizeH="0" baseline="0" noProof="0" dirty="0">
-                  <a:ln>
-                    <a:noFill/>
-                  </a:ln>
-                  <a:solidFill>
-                    <a:prstClr val="white"/>
-                  </a:solidFill>
-                  <a:effectLst/>
-                  <a:uLnTx/>
-                  <a:uFillTx/>
-                  <a:latin typeface="OPPOSans R" panose="00020600040101010101" pitchFamily="18" charset="-122"/>
-                  <a:ea typeface="OPPOSans R" panose="00020600040101010101" pitchFamily="18" charset="-122"/>
-                  <a:cs typeface="OPPOSans R" panose="00020600040101010101" pitchFamily="18" charset="-122"/>
-                </a:rPr>
-                <a:t>1</a:t>
-              </a:r>
-            </a:p>
-          </p:txBody>
-        </p:sp>
-        <p:sp>
-          <p:nvSpPr>
-            <p:cNvPr id="33" name="文本框 17"/>
-            <p:cNvSpPr txBox="1"/>
-            <p:nvPr>
-              <p:custDataLst>
-                <p:tags r:id="rId13"/>
-              </p:custDataLst>
-            </p:nvPr>
-          </p:nvSpPr>
-          <p:spPr>
-            <a:xfrm>
-              <a:off x="1257000" y="2330057"/>
-              <a:ext cx="938732" cy="571662"/>
-            </a:xfrm>
-            <a:prstGeom prst="rect">
-              <a:avLst/>
-            </a:prstGeom>
-            <a:noFill/>
-          </p:spPr>
-          <p:txBody>
-            <a:bodyPr wrap="square" rtlCol="0">
-              <a:spAutoFit/>
-            </a:bodyPr>
-            <a:lstStyle/>
-            <a:p>
-              <a:pPr marL="0" marR="0" lvl="0" indent="0" algn="ctr" defTabSz="914400" rtl="0" eaLnBrk="1" fontAlgn="auto" latinLnBrk="0" hangingPunct="1">
-                <a:lnSpc>
-                  <a:spcPct val="150000"/>
-                </a:lnSpc>
-                <a:spcBef>
-                  <a:spcPts val="0"/>
-                </a:spcBef>
-                <a:spcAft>
-                  <a:spcPts val="0"/>
-                </a:spcAft>
-                <a:buClrTx/>
-                <a:buSzTx/>
-                <a:buFontTx/>
-                <a:buNone/>
-                <a:defRPr/>
-              </a:pPr>
-              <a:r>
-                <a:rPr kumimoji="0" lang="zh-CN" altLang="en-US" sz="1600" b="0" i="0" u="none" strike="noStrike" kern="1200" cap="none" spc="0" normalizeH="0" baseline="0" noProof="0" dirty="0">
-                  <a:ln>
-                    <a:noFill/>
-                  </a:ln>
-                  <a:solidFill>
-                    <a:prstClr val="white"/>
-                  </a:solidFill>
-                  <a:effectLst/>
-                  <a:uLnTx/>
-                  <a:uFillTx/>
-                  <a:latin typeface="OPPOSans R" panose="00020600040101010101" pitchFamily="18" charset="-122"/>
-                  <a:ea typeface="OPPOSans R" panose="00020600040101010101" pitchFamily="18" charset="-122"/>
-                  <a:cs typeface="OPPOSans B" panose="00020600040101010101" pitchFamily="18" charset="-122"/>
-                </a:rPr>
-                <a:t>InternLM-</a:t>
-              </a:r>
-              <a:r>
-                <a:rPr kumimoji="0" lang="en-US" altLang="zh-CN" sz="1600" b="0" i="0" u="none" strike="noStrike" kern="1200" cap="none" spc="0" normalizeH="0" baseline="0" noProof="0" dirty="0">
-                  <a:ln>
-                    <a:noFill/>
-                  </a:ln>
-                  <a:solidFill>
-                    <a:prstClr val="white"/>
-                  </a:solidFill>
-                  <a:effectLst/>
-                  <a:uLnTx/>
-                  <a:uFillTx/>
-                  <a:latin typeface="OPPOSans R" panose="00020600040101010101" pitchFamily="18" charset="-122"/>
-                  <a:ea typeface="OPPOSans R" panose="00020600040101010101" pitchFamily="18" charset="-122"/>
-                  <a:cs typeface="OPPOSans B" panose="00020600040101010101" pitchFamily="18" charset="-122"/>
-                </a:rPr>
-                <a:t>C</a:t>
-              </a:r>
-              <a:r>
-                <a:rPr kumimoji="0" lang="zh-CN" altLang="en-US" sz="1600" b="0" i="0" u="none" strike="noStrike" kern="1200" cap="none" spc="0" normalizeH="0" baseline="0" noProof="0" dirty="0">
-                  <a:ln>
-                    <a:noFill/>
-                  </a:ln>
-                  <a:solidFill>
-                    <a:prstClr val="white"/>
-                  </a:solidFill>
-                  <a:effectLst/>
-                  <a:uLnTx/>
-                  <a:uFillTx/>
-                  <a:latin typeface="OPPOSans R" panose="00020600040101010101" pitchFamily="18" charset="-122"/>
-                  <a:ea typeface="OPPOSans R" panose="00020600040101010101" pitchFamily="18" charset="-122"/>
-                  <a:cs typeface="OPPOSans B" panose="00020600040101010101" pitchFamily="18" charset="-122"/>
-                </a:rPr>
-                <a:t>hat-7</a:t>
-              </a:r>
-              <a:r>
-                <a:rPr kumimoji="0" lang="en-US" altLang="zh-CN" sz="1600" b="0" i="0" u="none" strike="noStrike" kern="1200" cap="none" spc="0" normalizeH="0" baseline="0" noProof="0" dirty="0">
-                  <a:ln>
-                    <a:noFill/>
-                  </a:ln>
-                  <a:solidFill>
-                    <a:prstClr val="white"/>
-                  </a:solidFill>
-                  <a:effectLst/>
-                  <a:uLnTx/>
-                  <a:uFillTx/>
-                  <a:latin typeface="OPPOSans R" panose="00020600040101010101" pitchFamily="18" charset="-122"/>
-                  <a:ea typeface="OPPOSans R" panose="00020600040101010101" pitchFamily="18" charset="-122"/>
-                  <a:cs typeface="OPPOSans B" panose="00020600040101010101" pitchFamily="18" charset="-122"/>
-                </a:rPr>
-                <a:t>B</a:t>
-              </a:r>
-            </a:p>
-          </p:txBody>
-        </p:sp>
-      </p:grpSp>
-      <p:sp>
-        <p:nvSpPr>
-          <p:cNvPr id="22" name="椭圆 21"/>
-          <p:cNvSpPr/>
-          <p:nvPr>
-            <p:custDataLst>
-              <p:tags r:id="rId3"/>
-            </p:custDataLst>
-          </p:nvPr>
-        </p:nvSpPr>
-        <p:spPr>
-          <a:xfrm>
-            <a:off x="4457455" y="5495175"/>
-            <a:ext cx="313668" cy="313625"/>
-          </a:xfrm>
-          <a:prstGeom prst="ellipse">
-            <a:avLst/>
-          </a:prstGeom>
-          <a:solidFill>
-            <a:schemeClr val="bg1"/>
-          </a:solidFill>
-          <a:ln w="38100">
-            <a:solidFill>
-              <a:schemeClr val="accent2"/>
-            </a:solidFill>
-          </a:ln>
-          <a:effectLst>
-            <a:outerShdw blurRad="50800" dist="38100" dir="5400000" algn="t" rotWithShape="0">
-              <a:prstClr val="black">
-                <a:alpha val="29000"/>
-              </a:prstClr>
-            </a:outerShdw>
-          </a:effectLst>
-        </p:spPr>
-        <p:style>
-          <a:lnRef idx="2">
-            <a:schemeClr val="accent1">
-              <a:shade val="50000"/>
-            </a:schemeClr>
-          </a:lnRef>
-          <a:fillRef idx="1">
-            <a:schemeClr val="accent1"/>
-          </a:fillRef>
-          <a:effectRef idx="0">
-            <a:schemeClr val="accent1"/>
-          </a:effectRef>
-          <a:fontRef idx="minor">
-            <a:schemeClr val="lt1"/>
-          </a:fontRef>
-        </p:style>
-        <p:txBody>
-          <a:bodyPr lIns="121884" tIns="60941" rIns="121884" bIns="60941" rtlCol="0" anchor="ctr"/>
-          <a:lstStyle/>
-          <a:p>
-            <a:pPr marL="0" marR="0" lvl="0" indent="0" algn="ctr" defTabSz="914400" rtl="0" eaLnBrk="1" fontAlgn="auto" latinLnBrk="0" hangingPunct="1">
-              <a:lnSpc>
-                <a:spcPct val="100000"/>
-              </a:lnSpc>
-              <a:spcBef>
-                <a:spcPts val="0"/>
-              </a:spcBef>
-              <a:spcAft>
-                <a:spcPts val="0"/>
-              </a:spcAft>
-              <a:buClrTx/>
-              <a:buSzTx/>
-              <a:buFontTx/>
-              <a:buNone/>
-              <a:defRPr/>
-            </a:pPr>
-            <a:endParaRPr kumimoji="0" lang="zh-CN" altLang="en-US" sz="2400" b="0" i="0" u="none" strike="noStrike" kern="1200" cap="none" spc="0" normalizeH="0" baseline="0" noProof="0" dirty="0">
-              <a:ln>
-                <a:noFill/>
-              </a:ln>
-              <a:solidFill>
-                <a:prstClr val="white"/>
-              </a:solidFill>
-              <a:effectLst/>
-              <a:uLnTx/>
-              <a:uFillTx/>
-              <a:latin typeface="OPPOSans R" panose="00020600040101010101" pitchFamily="18" charset="-122"/>
-              <a:ea typeface="OPPOSans R" panose="00020600040101010101" pitchFamily="18" charset="-122"/>
-              <a:cs typeface="OPPOSans B" panose="00020600040101010101" pitchFamily="18" charset="-122"/>
-            </a:endParaRPr>
-          </a:p>
-        </p:txBody>
-      </p:sp>
-      <p:grpSp>
-        <p:nvGrpSpPr>
-          <p:cNvPr id="23" name="组合 22"/>
-          <p:cNvGrpSpPr/>
-          <p:nvPr/>
-        </p:nvGrpSpPr>
-        <p:grpSpPr>
-          <a:xfrm>
-            <a:off x="3697903" y="1585636"/>
-            <a:ext cx="1777453" cy="3720253"/>
-            <a:chOff x="1115616" y="1077584"/>
-            <a:chExt cx="1224136" cy="2562492"/>
-          </a:xfrm>
-        </p:grpSpPr>
-        <p:sp>
-          <p:nvSpPr>
-            <p:cNvPr id="47" name="任意多边形 24"/>
-            <p:cNvSpPr/>
-            <p:nvPr>
-              <p:custDataLst>
-                <p:tags r:id="rId4"/>
-              </p:custDataLst>
-            </p:nvPr>
-          </p:nvSpPr>
-          <p:spPr>
-            <a:xfrm flipV="1">
-              <a:off x="1115616" y="1077584"/>
-              <a:ext cx="1224136" cy="2562492"/>
-            </a:xfrm>
-            <a:custGeom>
-              <a:avLst/>
-              <a:gdLst>
-                <a:gd name="connsiteX0" fmla="*/ 213563 w 1224136"/>
-                <a:gd name="connsiteY0" fmla="*/ 2562492 h 2562492"/>
-                <a:gd name="connsiteX1" fmla="*/ 1010573 w 1224136"/>
-                <a:gd name="connsiteY1" fmla="*/ 2562492 h 2562492"/>
-                <a:gd name="connsiteX2" fmla="*/ 1224136 w 1224136"/>
-                <a:gd name="connsiteY2" fmla="*/ 2348929 h 2562492"/>
-                <a:gd name="connsiteX3" fmla="*/ 1224136 w 1224136"/>
-                <a:gd name="connsiteY3" fmla="*/ 399791 h 2562492"/>
-                <a:gd name="connsiteX4" fmla="*/ 1010573 w 1224136"/>
-                <a:gd name="connsiteY4" fmla="*/ 186228 h 2562492"/>
-                <a:gd name="connsiteX5" fmla="*/ 720080 w 1224136"/>
-                <a:gd name="connsiteY5" fmla="*/ 186228 h 2562492"/>
-                <a:gd name="connsiteX6" fmla="*/ 612068 w 1224136"/>
-                <a:gd name="connsiteY6" fmla="*/ 0 h 2562492"/>
-                <a:gd name="connsiteX7" fmla="*/ 504056 w 1224136"/>
-                <a:gd name="connsiteY7" fmla="*/ 186228 h 2562492"/>
-                <a:gd name="connsiteX8" fmla="*/ 213563 w 1224136"/>
-                <a:gd name="connsiteY8" fmla="*/ 186228 h 2562492"/>
-                <a:gd name="connsiteX9" fmla="*/ 0 w 1224136"/>
-                <a:gd name="connsiteY9" fmla="*/ 399791 h 2562492"/>
-                <a:gd name="connsiteX10" fmla="*/ 0 w 1224136"/>
-                <a:gd name="connsiteY10" fmla="*/ 2348929 h 2562492"/>
-                <a:gd name="connsiteX11" fmla="*/ 213563 w 1224136"/>
-                <a:gd name="connsiteY11" fmla="*/ 2562492 h 2562492"/>
-              </a:gdLst>
-              <a:ahLst/>
-              <a:cxnLst>
-                <a:cxn ang="0">
-                  <a:pos x="connsiteX0" y="connsiteY0"/>
-                </a:cxn>
-                <a:cxn ang="0">
-                  <a:pos x="connsiteX1" y="connsiteY1"/>
-                </a:cxn>
-                <a:cxn ang="0">
-                  <a:pos x="connsiteX2" y="connsiteY2"/>
-                </a:cxn>
-                <a:cxn ang="0">
-                  <a:pos x="connsiteX3" y="connsiteY3"/>
-                </a:cxn>
-                <a:cxn ang="0">
-                  <a:pos x="connsiteX4" y="connsiteY4"/>
-                </a:cxn>
-                <a:cxn ang="0">
-                  <a:pos x="connsiteX5" y="connsiteY5"/>
-                </a:cxn>
-                <a:cxn ang="0">
-                  <a:pos x="connsiteX6" y="connsiteY6"/>
-                </a:cxn>
-                <a:cxn ang="0">
-                  <a:pos x="connsiteX7" y="connsiteY7"/>
-                </a:cxn>
-                <a:cxn ang="0">
-                  <a:pos x="connsiteX8" y="connsiteY8"/>
-                </a:cxn>
-                <a:cxn ang="0">
-                  <a:pos x="connsiteX9" y="connsiteY9"/>
-                </a:cxn>
-                <a:cxn ang="0">
-                  <a:pos x="connsiteX10" y="connsiteY10"/>
-                </a:cxn>
-                <a:cxn ang="0">
-                  <a:pos x="connsiteX11" y="connsiteY11"/>
-                </a:cxn>
-              </a:cxnLst>
-              <a:rect l="l" t="t" r="r" b="b"/>
-              <a:pathLst>
-                <a:path w="1224136" h="2562492">
-                  <a:moveTo>
-                    <a:pt x="213563" y="2562492"/>
-                  </a:moveTo>
-                  <a:lnTo>
-                    <a:pt x="1010573" y="2562492"/>
-                  </a:lnTo>
-                  <a:cubicBezTo>
-                    <a:pt x="1128521" y="2562492"/>
-                    <a:pt x="1224136" y="2466877"/>
-                    <a:pt x="1224136" y="2348929"/>
-                  </a:cubicBezTo>
-                  <a:lnTo>
-                    <a:pt x="1224136" y="399791"/>
-                  </a:lnTo>
-                  <a:cubicBezTo>
-                    <a:pt x="1224136" y="281843"/>
-                    <a:pt x="1128521" y="186228"/>
-                    <a:pt x="1010573" y="186228"/>
-                  </a:cubicBezTo>
-                  <a:lnTo>
-                    <a:pt x="720080" y="186228"/>
-                  </a:lnTo>
-                  <a:lnTo>
-                    <a:pt x="612068" y="0"/>
-                  </a:lnTo>
-                  <a:lnTo>
-                    <a:pt x="504056" y="186228"/>
-                  </a:lnTo>
-                  <a:lnTo>
-                    <a:pt x="213563" y="186228"/>
-                  </a:lnTo>
-                  <a:cubicBezTo>
-                    <a:pt x="95615" y="186228"/>
-                    <a:pt x="0" y="281843"/>
-                    <a:pt x="0" y="399791"/>
-                  </a:cubicBezTo>
-                  <a:lnTo>
-                    <a:pt x="0" y="2348929"/>
-                  </a:lnTo>
-                  <a:cubicBezTo>
-                    <a:pt x="0" y="2466877"/>
-                    <a:pt x="95615" y="2562492"/>
-                    <a:pt x="213563" y="2562492"/>
-                  </a:cubicBezTo>
-                  <a:close/>
-                </a:path>
-              </a:pathLst>
-            </a:custGeom>
-            <a:solidFill>
-              <a:schemeClr val="bg1"/>
-            </a:solidFill>
-            <a:ln w="6350">
-              <a:solidFill>
-                <a:schemeClr val="bg1">
-                  <a:lumMod val="85000"/>
-                </a:schemeClr>
-              </a:solidFill>
-            </a:ln>
-            <a:effectLst/>
-          </p:spPr>
-          <p:style>
-            <a:lnRef idx="2">
-              <a:schemeClr val="accent1">
-                <a:shade val="50000"/>
-              </a:schemeClr>
-            </a:lnRef>
-            <a:fillRef idx="1">
-              <a:schemeClr val="accent1"/>
-            </a:fillRef>
-            <a:effectRef idx="0">
-              <a:schemeClr val="accent1"/>
-            </a:effectRef>
-            <a:fontRef idx="minor">
-              <a:schemeClr val="lt1"/>
-            </a:fontRef>
-          </p:style>
-          <p:txBody>
-            <a:bodyPr rtlCol="0" anchor="ctr"/>
-            <a:lstStyle/>
-            <a:p>
-              <a:pPr marL="0" marR="0" lvl="0" indent="0" algn="ctr" defTabSz="914400" rtl="0" eaLnBrk="1" fontAlgn="auto" latinLnBrk="0" hangingPunct="1">
-                <a:lnSpc>
-                  <a:spcPct val="100000"/>
-                </a:lnSpc>
-                <a:spcBef>
-                  <a:spcPts val="0"/>
-                </a:spcBef>
-                <a:spcAft>
-                  <a:spcPts val="0"/>
-                </a:spcAft>
-                <a:buClrTx/>
-                <a:buSzTx/>
-                <a:buFontTx/>
-                <a:buNone/>
-                <a:defRPr/>
-              </a:pPr>
-              <a:endParaRPr kumimoji="0" lang="zh-CN" altLang="en-US" sz="2400" b="0" i="0" u="none" strike="noStrike" kern="1200" cap="none" spc="0" normalizeH="0" baseline="0" noProof="0" dirty="0">
-                <a:ln>
-                  <a:noFill/>
-                </a:ln>
-                <a:solidFill>
-                  <a:prstClr val="white"/>
-                </a:solidFill>
-                <a:effectLst/>
-                <a:uLnTx/>
-                <a:uFillTx/>
-                <a:latin typeface="OPPOSans R" panose="00020600040101010101" pitchFamily="18" charset="-122"/>
-                <a:ea typeface="OPPOSans R" panose="00020600040101010101" pitchFamily="18" charset="-122"/>
-                <a:cs typeface="OPPOSans B" panose="00020600040101010101" pitchFamily="18" charset="-122"/>
-              </a:endParaRPr>
-            </a:p>
-          </p:txBody>
-        </p:sp>
-        <p:sp>
-          <p:nvSpPr>
-            <p:cNvPr id="48" name="圆角矩形 25"/>
-            <p:cNvSpPr/>
-            <p:nvPr>
-              <p:custDataLst>
-                <p:tags r:id="rId5"/>
               </p:custDataLst>
             </p:nvPr>
           </p:nvSpPr>
@@ -30918,7 +31833,7 @@
             <p:cNvSpPr/>
             <p:nvPr>
               <p:custDataLst>
-                <p:tags r:id="rId6"/>
+                <p:tags r:id="rId11"/>
               </p:custDataLst>
             </p:nvPr>
           </p:nvSpPr>
@@ -30998,7 +31913,7 @@
             <p:cNvSpPr txBox="1"/>
             <p:nvPr>
               <p:custDataLst>
-                <p:tags r:id="rId7"/>
+                <p:tags r:id="rId12"/>
               </p:custDataLst>
             </p:nvPr>
           </p:nvSpPr>
@@ -31051,6 +31966,20 @@
                 </a:rPr>
                 <a:t>2</a:t>
               </a:r>
+              <a:endParaRPr kumimoji="0" lang="en-US" altLang="zh-CN" sz="2800" b="1" i="0" u="none" strike="noStrike" kern="1200" cap="none" spc="300" normalizeH="0" baseline="0" noProof="0" dirty="0">
+                <a:ln>
+                  <a:noFill/>
+                </a:ln>
+                <a:solidFill>
+                  <a:prstClr val="white"/>
+                </a:solidFill>
+                <a:effectLst/>
+                <a:uLnTx/>
+                <a:uFillTx/>
+                <a:latin typeface="OPPOSans R" panose="00020600040101010101" pitchFamily="18" charset="-122"/>
+                <a:ea typeface="OPPOSans R" panose="00020600040101010101" pitchFamily="18" charset="-122"/>
+                <a:cs typeface="OPPOSans R" panose="00020600040101010101" pitchFamily="18" charset="-122"/>
+              </a:endParaRPr>
             </a:p>
           </p:txBody>
         </p:sp>
@@ -31060,7 +31989,7 @@
             <p:cNvSpPr txBox="1"/>
             <p:nvPr>
               <p:custDataLst>
-                <p:tags r:id="rId8"/>
+                <p:tags r:id="rId13"/>
               </p:custDataLst>
             </p:nvPr>
           </p:nvSpPr>
@@ -31147,10 +32076,53 @@
                 </a:rPr>
                 <a:t>B</a:t>
               </a:r>
+              <a:endParaRPr kumimoji="0" lang="zh-CN" altLang="en-US" sz="1600" b="0" i="0" u="none" strike="noStrike" kern="1200" cap="none" spc="0" normalizeH="0" baseline="0" noProof="0" dirty="0">
+                <a:ln>
+                  <a:noFill/>
+                </a:ln>
+                <a:solidFill>
+                  <a:prstClr val="white"/>
+                </a:solidFill>
+                <a:effectLst/>
+                <a:uLnTx/>
+                <a:uFillTx/>
+                <a:latin typeface="OPPOSans R" panose="00020600040101010101" pitchFamily="18" charset="-122"/>
+                <a:ea typeface="OPPOSans R" panose="00020600040101010101" pitchFamily="18" charset="-122"/>
+                <a:cs typeface="OPPOSans B" panose="00020600040101010101" pitchFamily="18" charset="-122"/>
+              </a:endParaRPr>
             </a:p>
           </p:txBody>
         </p:sp>
       </p:grpSp>
+      <p:pic>
+        <p:nvPicPr>
+          <p:cNvPr id="4" name="图片 3"/>
+          <p:cNvPicPr>
+            <a:picLocks noChangeAspect="1"/>
+          </p:cNvPicPr>
+          <p:nvPr>
+            <p:custDataLst>
+              <p:tags r:id="rId14"/>
+            </p:custDataLst>
+          </p:nvPr>
+        </p:nvPicPr>
+        <p:blipFill>
+          <a:blip r:embed="rId15"/>
+          <a:srcRect t="-48" r="32112"/>
+          <a:stretch>
+            <a:fillRect/>
+          </a:stretch>
+        </p:blipFill>
+        <p:spPr>
+          <a:xfrm>
+            <a:off x="5888355" y="1722755"/>
+            <a:ext cx="5855970" cy="1209040"/>
+          </a:xfrm>
+          <a:prstGeom prst="rect">
+            <a:avLst/>
+          </a:prstGeom>
+        </p:spPr>
+      </p:pic>
     </p:spTree>
   </p:cSld>
   <p:clrMapOvr>
@@ -32859,6 +33831,18 @@
                 </a:rPr>
                 <a:t>05</a:t>
               </a:r>
+              <a:endParaRPr lang="en-US" altLang="zh-CN" sz="1600" b="1" dirty="0">
+                <a:ln>
+                  <a:noFill/>
+                </a:ln>
+                <a:solidFill>
+                  <a:schemeClr val="bg1"/>
+                </a:solidFill>
+                <a:latin typeface="OPPOSans M" panose="00020600040101010101" pitchFamily="18" charset="-122"/>
+                <a:ea typeface="OPPOSans M" panose="00020600040101010101" pitchFamily="18" charset="-122"/>
+                <a:cs typeface="OPPOSans M" panose="00020600040101010101" pitchFamily="18" charset="-122"/>
+                <a:sym typeface="OPPOSans M" panose="00020600040101010101" pitchFamily="18" charset="-122"/>
+              </a:endParaRPr>
             </a:p>
           </p:txBody>
         </p:sp>
@@ -32912,6 +33896,29 @@
               </a:rPr>
               <a:t>模型训练</a:t>
             </a:r>
+            <a:endParaRPr lang="zh-CN" altLang="en-US" sz="2400" dirty="0">
+              <a:ln w="15875">
+                <a:gradFill>
+                  <a:gsLst>
+                    <a:gs pos="0">
+                      <a:schemeClr val="accent1">
+                        <a:hueMod val="80000"/>
+                      </a:schemeClr>
+                    </a:gs>
+                    <a:gs pos="100000">
+                      <a:schemeClr val="accent1"/>
+                    </a:gs>
+                  </a:gsLst>
+                  <a:lin ang="2700000" scaled="1"/>
+                </a:gradFill>
+              </a:ln>
+              <a:noFill/>
+              <a:effectLst/>
+              <a:latin typeface="OPPOSans M" panose="00020600040101010101" pitchFamily="18" charset="-122"/>
+              <a:ea typeface="OPPOSans M" panose="00020600040101010101" pitchFamily="18" charset="-122"/>
+              <a:cs typeface="OPPOSans M" panose="00020600040101010101" pitchFamily="18" charset="-122"/>
+              <a:sym typeface="OPPOSans M" panose="00020600040101010101" pitchFamily="18" charset="-122"/>
+            </a:endParaRPr>
           </a:p>
         </p:txBody>
       </p:sp>
@@ -32945,6 +33952,7 @@
               <a:rPr lang="zh-CN" altLang="en-US"/>
               <a:t>微调</a:t>
             </a:r>
+            <a:endParaRPr lang="zh-CN" altLang="en-US"/>
           </a:p>
         </p:txBody>
       </p:sp>
@@ -33052,6 +34060,7 @@
               <a:rPr lang="zh-CN" altLang="en-US"/>
               <a:t>使用XTuner训练，XTuner有各个模型的一键训练脚本，很方便。且对InternLM2的支持度最高。</a:t>
             </a:r>
+            <a:endParaRPr lang="zh-CN" altLang="en-US"/>
           </a:p>
         </p:txBody>
       </p:sp>
@@ -33081,6 +34090,7 @@
               <a:rPr lang="zh-CN" altLang="en-US"/>
               <a:t>微调方法如下:</a:t>
             </a:r>
+            <a:endParaRPr lang="zh-CN" altLang="en-US"/>
           </a:p>
           <a:p>
             <a:endParaRPr lang="zh-CN" altLang="en-US"/>
@@ -33098,6 +34108,7 @@
               <a:rPr lang="zh-CN" altLang="en-US"/>
               <a:t>和数据集地址data_path修改成自己的。</a:t>
             </a:r>
+            <a:endParaRPr lang="zh-CN" altLang="en-US"/>
           </a:p>
           <a:p>
             <a:endParaRPr lang="zh-CN" altLang="en-US"/>
@@ -33111,6 +34122,7 @@
               <a:rPr lang="zh-CN" altLang="en-US"/>
               <a:t>将得到的 PTH 模型转换为 HuggingFace 模型。</a:t>
             </a:r>
+            <a:endParaRPr lang="zh-CN" altLang="en-US"/>
           </a:p>
           <a:p>
             <a:endParaRPr lang="zh-CN" altLang="en-US"/>
@@ -33124,6 +34136,7 @@
               <a:rPr lang="zh-CN" altLang="en-US"/>
               <a:t>使用xtuner chat ./merged</a:t>
             </a:r>
+            <a:endParaRPr lang="zh-CN" altLang="en-US"/>
           </a:p>
         </p:txBody>
       </p:sp>
@@ -33136,415 +34149,421 @@
 </file>
 
 <file path=ppt/tags/tag1.xml><?xml version="1.0" encoding="utf-8"?>
-<p:tagLst xmlns:a="http://schemas.openxmlformats.org/drawingml/2006/main" xmlns:r="http://schemas.openxmlformats.org/officeDocument/2006/relationships" xmlns:p="http://schemas.openxmlformats.org/presentationml/2006/main">
-  <p:tag name="COMMONDATA" val="eyJoZGlkIjoiNWExMDlkNmNlZjZjZTMyNjljYTdhNzVlZWI1NzRmMTYifQ=="/>
+<p:tagLst xmlns:p="http://schemas.openxmlformats.org/presentationml/2006/main">
+  <p:tag name="KSO_WM_BEAUTIFY_FLAG" val=""/>
 </p:tagLst>
 </file>
 
 <file path=ppt/tags/tag10.xml><?xml version="1.0" encoding="utf-8"?>
-<p:tagLst xmlns:a="http://schemas.openxmlformats.org/drawingml/2006/main" xmlns:r="http://schemas.openxmlformats.org/officeDocument/2006/relationships" xmlns:p="http://schemas.openxmlformats.org/presentationml/2006/main">
+<p:tagLst xmlns:p="http://schemas.openxmlformats.org/presentationml/2006/main">
   <p:tag name="KSO_WM_BEAUTIFY_FLAG" val=""/>
 </p:tagLst>
 </file>
 
 <file path=ppt/tags/tag11.xml><?xml version="1.0" encoding="utf-8"?>
-<p:tagLst xmlns:a="http://schemas.openxmlformats.org/drawingml/2006/main" xmlns:r="http://schemas.openxmlformats.org/officeDocument/2006/relationships" xmlns:p="http://schemas.openxmlformats.org/presentationml/2006/main">
+<p:tagLst xmlns:p="http://schemas.openxmlformats.org/presentationml/2006/main">
   <p:tag name="KSO_WM_BEAUTIFY_FLAG" val=""/>
 </p:tagLst>
 </file>
 
 <file path=ppt/tags/tag12.xml><?xml version="1.0" encoding="utf-8"?>
-<p:tagLst xmlns:a="http://schemas.openxmlformats.org/drawingml/2006/main" xmlns:r="http://schemas.openxmlformats.org/officeDocument/2006/relationships" xmlns:p="http://schemas.openxmlformats.org/presentationml/2006/main">
+<p:tagLst xmlns:p="http://schemas.openxmlformats.org/presentationml/2006/main">
   <p:tag name="KSO_WM_BEAUTIFY_FLAG" val=""/>
 </p:tagLst>
 </file>
 
 <file path=ppt/tags/tag13.xml><?xml version="1.0" encoding="utf-8"?>
-<p:tagLst xmlns:a="http://schemas.openxmlformats.org/drawingml/2006/main" xmlns:r="http://schemas.openxmlformats.org/officeDocument/2006/relationships" xmlns:p="http://schemas.openxmlformats.org/presentationml/2006/main">
+<p:tagLst xmlns:p="http://schemas.openxmlformats.org/presentationml/2006/main">
   <p:tag name="KSO_WM_BEAUTIFY_FLAG" val=""/>
 </p:tagLst>
 </file>
 
 <file path=ppt/tags/tag14.xml><?xml version="1.0" encoding="utf-8"?>
-<p:tagLst xmlns:a="http://schemas.openxmlformats.org/drawingml/2006/main" xmlns:r="http://schemas.openxmlformats.org/officeDocument/2006/relationships" xmlns:p="http://schemas.openxmlformats.org/presentationml/2006/main">
+<p:tagLst xmlns:p="http://schemas.openxmlformats.org/presentationml/2006/main">
   <p:tag name="KSO_WM_BEAUTIFY_FLAG" val=""/>
 </p:tagLst>
 </file>
 
 <file path=ppt/tags/tag15.xml><?xml version="1.0" encoding="utf-8"?>
-<p:tagLst xmlns:a="http://schemas.openxmlformats.org/drawingml/2006/main" xmlns:r="http://schemas.openxmlformats.org/officeDocument/2006/relationships" xmlns:p="http://schemas.openxmlformats.org/presentationml/2006/main">
+<p:tagLst xmlns:p="http://schemas.openxmlformats.org/presentationml/2006/main">
   <p:tag name="KSO_WM_BEAUTIFY_FLAG" val=""/>
 </p:tagLst>
 </file>
 
 <file path=ppt/tags/tag16.xml><?xml version="1.0" encoding="utf-8"?>
-<p:tagLst xmlns:a="http://schemas.openxmlformats.org/drawingml/2006/main" xmlns:r="http://schemas.openxmlformats.org/officeDocument/2006/relationships" xmlns:p="http://schemas.openxmlformats.org/presentationml/2006/main">
+<p:tagLst xmlns:p="http://schemas.openxmlformats.org/presentationml/2006/main">
   <p:tag name="KSO_WM_BEAUTIFY_FLAG" val=""/>
 </p:tagLst>
 </file>
 
 <file path=ppt/tags/tag17.xml><?xml version="1.0" encoding="utf-8"?>
-<p:tagLst xmlns:a="http://schemas.openxmlformats.org/drawingml/2006/main" xmlns:r="http://schemas.openxmlformats.org/officeDocument/2006/relationships" xmlns:p="http://schemas.openxmlformats.org/presentationml/2006/main">
+<p:tagLst xmlns:p="http://schemas.openxmlformats.org/presentationml/2006/main">
   <p:tag name="KSO_WM_BEAUTIFY_FLAG" val=""/>
 </p:tagLst>
 </file>
 
 <file path=ppt/tags/tag18.xml><?xml version="1.0" encoding="utf-8"?>
-<p:tagLst xmlns:a="http://schemas.openxmlformats.org/drawingml/2006/main" xmlns:r="http://schemas.openxmlformats.org/officeDocument/2006/relationships" xmlns:p="http://schemas.openxmlformats.org/presentationml/2006/main">
+<p:tagLst xmlns:p="http://schemas.openxmlformats.org/presentationml/2006/main">
   <p:tag name="KSO_WM_BEAUTIFY_FLAG" val=""/>
 </p:tagLst>
 </file>
 
 <file path=ppt/tags/tag19.xml><?xml version="1.0" encoding="utf-8"?>
-<p:tagLst xmlns:a="http://schemas.openxmlformats.org/drawingml/2006/main" xmlns:r="http://schemas.openxmlformats.org/officeDocument/2006/relationships" xmlns:p="http://schemas.openxmlformats.org/presentationml/2006/main">
+<p:tagLst xmlns:p="http://schemas.openxmlformats.org/presentationml/2006/main">
   <p:tag name="KSO_WM_BEAUTIFY_FLAG" val=""/>
 </p:tagLst>
 </file>
 
 <file path=ppt/tags/tag2.xml><?xml version="1.0" encoding="utf-8"?>
-<p:tagLst xmlns:a="http://schemas.openxmlformats.org/drawingml/2006/main" xmlns:r="http://schemas.openxmlformats.org/officeDocument/2006/relationships" xmlns:p="http://schemas.openxmlformats.org/presentationml/2006/main">
+<p:tagLst xmlns:p="http://schemas.openxmlformats.org/presentationml/2006/main">
   <p:tag name="KSO_WM_BEAUTIFY_FLAG" val=""/>
 </p:tagLst>
 </file>
 
 <file path=ppt/tags/tag20.xml><?xml version="1.0" encoding="utf-8"?>
-<p:tagLst xmlns:a="http://schemas.openxmlformats.org/drawingml/2006/main" xmlns:r="http://schemas.openxmlformats.org/officeDocument/2006/relationships" xmlns:p="http://schemas.openxmlformats.org/presentationml/2006/main">
+<p:tagLst xmlns:p="http://schemas.openxmlformats.org/presentationml/2006/main">
   <p:tag name="KSO_WM_BEAUTIFY_FLAG" val=""/>
 </p:tagLst>
 </file>
 
 <file path=ppt/tags/tag21.xml><?xml version="1.0" encoding="utf-8"?>
-<p:tagLst xmlns:a="http://schemas.openxmlformats.org/drawingml/2006/main" xmlns:r="http://schemas.openxmlformats.org/officeDocument/2006/relationships" xmlns:p="http://schemas.openxmlformats.org/presentationml/2006/main">
+<p:tagLst xmlns:p="http://schemas.openxmlformats.org/presentationml/2006/main">
   <p:tag name="KSO_WM_BEAUTIFY_FLAG" val=""/>
 </p:tagLst>
 </file>
 
 <file path=ppt/tags/tag22.xml><?xml version="1.0" encoding="utf-8"?>
-<p:tagLst xmlns:a="http://schemas.openxmlformats.org/drawingml/2006/main" xmlns:r="http://schemas.openxmlformats.org/officeDocument/2006/relationships" xmlns:p="http://schemas.openxmlformats.org/presentationml/2006/main">
-  <p:tag name="KSO_WM_BEAUTIFY_FLAG" val=""/>
+<p:tagLst xmlns:p="http://schemas.openxmlformats.org/presentationml/2006/main">
+  <p:tag name="PA" val="v5.2.9"/>
 </p:tagLst>
 </file>
 
 <file path=ppt/tags/tag23.xml><?xml version="1.0" encoding="utf-8"?>
-<p:tagLst xmlns:a="http://schemas.openxmlformats.org/drawingml/2006/main" xmlns:r="http://schemas.openxmlformats.org/officeDocument/2006/relationships" xmlns:p="http://schemas.openxmlformats.org/presentationml/2006/main">
+<p:tagLst xmlns:p="http://schemas.openxmlformats.org/presentationml/2006/main">
   <p:tag name="PA" val="v5.2.9"/>
 </p:tagLst>
 </file>
 
 <file path=ppt/tags/tag24.xml><?xml version="1.0" encoding="utf-8"?>
-<p:tagLst xmlns:a="http://schemas.openxmlformats.org/drawingml/2006/main" xmlns:r="http://schemas.openxmlformats.org/officeDocument/2006/relationships" xmlns:p="http://schemas.openxmlformats.org/presentationml/2006/main">
-  <p:tag name="PA" val="v5.2.9"/>
+<p:tagLst xmlns:p="http://schemas.openxmlformats.org/presentationml/2006/main">
+  <p:tag name="KSO_WM_BEAUTIFY_FLAG" val=""/>
 </p:tagLst>
 </file>
 
 <file path=ppt/tags/tag25.xml><?xml version="1.0" encoding="utf-8"?>
-<p:tagLst xmlns:a="http://schemas.openxmlformats.org/drawingml/2006/main" xmlns:r="http://schemas.openxmlformats.org/officeDocument/2006/relationships" xmlns:p="http://schemas.openxmlformats.org/presentationml/2006/main">
+<p:tagLst xmlns:p="http://schemas.openxmlformats.org/presentationml/2006/main">
   <p:tag name="KSO_WM_BEAUTIFY_FLAG" val=""/>
 </p:tagLst>
 </file>
 
 <file path=ppt/tags/tag26.xml><?xml version="1.0" encoding="utf-8"?>
-<p:tagLst xmlns:a="http://schemas.openxmlformats.org/drawingml/2006/main" xmlns:r="http://schemas.openxmlformats.org/officeDocument/2006/relationships" xmlns:p="http://schemas.openxmlformats.org/presentationml/2006/main">
+<p:tagLst xmlns:p="http://schemas.openxmlformats.org/presentationml/2006/main">
   <p:tag name="KSO_WM_BEAUTIFY_FLAG" val=""/>
 </p:tagLst>
 </file>
 
 <file path=ppt/tags/tag27.xml><?xml version="1.0" encoding="utf-8"?>
-<p:tagLst xmlns:a="http://schemas.openxmlformats.org/drawingml/2006/main" xmlns:r="http://schemas.openxmlformats.org/officeDocument/2006/relationships" xmlns:p="http://schemas.openxmlformats.org/presentationml/2006/main">
+<p:tagLst xmlns:p="http://schemas.openxmlformats.org/presentationml/2006/main">
   <p:tag name="KSO_WM_BEAUTIFY_FLAG" val=""/>
 </p:tagLst>
 </file>
 
 <file path=ppt/tags/tag28.xml><?xml version="1.0" encoding="utf-8"?>
-<p:tagLst xmlns:a="http://schemas.openxmlformats.org/drawingml/2006/main" xmlns:r="http://schemas.openxmlformats.org/officeDocument/2006/relationships" xmlns:p="http://schemas.openxmlformats.org/presentationml/2006/main">
+<p:tagLst xmlns:p="http://schemas.openxmlformats.org/presentationml/2006/main">
   <p:tag name="KSO_WM_BEAUTIFY_FLAG" val=""/>
 </p:tagLst>
 </file>
 
 <file path=ppt/tags/tag29.xml><?xml version="1.0" encoding="utf-8"?>
-<p:tagLst xmlns:a="http://schemas.openxmlformats.org/drawingml/2006/main" xmlns:r="http://schemas.openxmlformats.org/officeDocument/2006/relationships" xmlns:p="http://schemas.openxmlformats.org/presentationml/2006/main">
+<p:tagLst xmlns:p="http://schemas.openxmlformats.org/presentationml/2006/main">
   <p:tag name="KSO_WM_BEAUTIFY_FLAG" val=""/>
 </p:tagLst>
 </file>
 
 <file path=ppt/tags/tag3.xml><?xml version="1.0" encoding="utf-8"?>
-<p:tagLst xmlns:a="http://schemas.openxmlformats.org/drawingml/2006/main" xmlns:r="http://schemas.openxmlformats.org/officeDocument/2006/relationships" xmlns:p="http://schemas.openxmlformats.org/presentationml/2006/main">
+<p:tagLst xmlns:p="http://schemas.openxmlformats.org/presentationml/2006/main">
   <p:tag name="KSO_WM_BEAUTIFY_FLAG" val=""/>
 </p:tagLst>
 </file>
 
 <file path=ppt/tags/tag30.xml><?xml version="1.0" encoding="utf-8"?>
-<p:tagLst xmlns:a="http://schemas.openxmlformats.org/drawingml/2006/main" xmlns:r="http://schemas.openxmlformats.org/officeDocument/2006/relationships" xmlns:p="http://schemas.openxmlformats.org/presentationml/2006/main">
+<p:tagLst xmlns:p="http://schemas.openxmlformats.org/presentationml/2006/main">
   <p:tag name="KSO_WM_BEAUTIFY_FLAG" val=""/>
 </p:tagLst>
 </file>
 
 <file path=ppt/tags/tag31.xml><?xml version="1.0" encoding="utf-8"?>
-<p:tagLst xmlns:a="http://schemas.openxmlformats.org/drawingml/2006/main" xmlns:r="http://schemas.openxmlformats.org/officeDocument/2006/relationships" xmlns:p="http://schemas.openxmlformats.org/presentationml/2006/main">
+<p:tagLst xmlns:p="http://schemas.openxmlformats.org/presentationml/2006/main">
   <p:tag name="KSO_WM_BEAUTIFY_FLAG" val=""/>
 </p:tagLst>
 </file>
 
 <file path=ppt/tags/tag32.xml><?xml version="1.0" encoding="utf-8"?>
-<p:tagLst xmlns:a="http://schemas.openxmlformats.org/drawingml/2006/main" xmlns:r="http://schemas.openxmlformats.org/officeDocument/2006/relationships" xmlns:p="http://schemas.openxmlformats.org/presentationml/2006/main">
+<p:tagLst xmlns:p="http://schemas.openxmlformats.org/presentationml/2006/main">
   <p:tag name="KSO_WM_BEAUTIFY_FLAG" val=""/>
 </p:tagLst>
 </file>
 
 <file path=ppt/tags/tag33.xml><?xml version="1.0" encoding="utf-8"?>
-<p:tagLst xmlns:a="http://schemas.openxmlformats.org/drawingml/2006/main" xmlns:r="http://schemas.openxmlformats.org/officeDocument/2006/relationships" xmlns:p="http://schemas.openxmlformats.org/presentationml/2006/main">
+<p:tagLst xmlns:p="http://schemas.openxmlformats.org/presentationml/2006/main">
   <p:tag name="KSO_WM_BEAUTIFY_FLAG" val=""/>
 </p:tagLst>
 </file>
 
 <file path=ppt/tags/tag34.xml><?xml version="1.0" encoding="utf-8"?>
-<p:tagLst xmlns:a="http://schemas.openxmlformats.org/drawingml/2006/main" xmlns:r="http://schemas.openxmlformats.org/officeDocument/2006/relationships" xmlns:p="http://schemas.openxmlformats.org/presentationml/2006/main">
+<p:tagLst xmlns:p="http://schemas.openxmlformats.org/presentationml/2006/main">
   <p:tag name="KSO_WM_BEAUTIFY_FLAG" val=""/>
 </p:tagLst>
 </file>
 
 <file path=ppt/tags/tag35.xml><?xml version="1.0" encoding="utf-8"?>
-<p:tagLst xmlns:a="http://schemas.openxmlformats.org/drawingml/2006/main" xmlns:r="http://schemas.openxmlformats.org/officeDocument/2006/relationships" xmlns:p="http://schemas.openxmlformats.org/presentationml/2006/main">
+<p:tagLst xmlns:p="http://schemas.openxmlformats.org/presentationml/2006/main">
   <p:tag name="KSO_WM_BEAUTIFY_FLAG" val=""/>
 </p:tagLst>
 </file>
 
 <file path=ppt/tags/tag36.xml><?xml version="1.0" encoding="utf-8"?>
-<p:tagLst xmlns:a="http://schemas.openxmlformats.org/drawingml/2006/main" xmlns:r="http://schemas.openxmlformats.org/officeDocument/2006/relationships" xmlns:p="http://schemas.openxmlformats.org/presentationml/2006/main">
+<p:tagLst xmlns:p="http://schemas.openxmlformats.org/presentationml/2006/main">
   <p:tag name="KSO_WM_BEAUTIFY_FLAG" val=""/>
 </p:tagLst>
 </file>
 
 <file path=ppt/tags/tag37.xml><?xml version="1.0" encoding="utf-8"?>
-<p:tagLst xmlns:a="http://schemas.openxmlformats.org/drawingml/2006/main" xmlns:r="http://schemas.openxmlformats.org/officeDocument/2006/relationships" xmlns:p="http://schemas.openxmlformats.org/presentationml/2006/main">
+<p:tagLst xmlns:p="http://schemas.openxmlformats.org/presentationml/2006/main">
   <p:tag name="KSO_WM_BEAUTIFY_FLAG" val=""/>
 </p:tagLst>
 </file>
 
 <file path=ppt/tags/tag38.xml><?xml version="1.0" encoding="utf-8"?>
-<p:tagLst xmlns:a="http://schemas.openxmlformats.org/drawingml/2006/main" xmlns:r="http://schemas.openxmlformats.org/officeDocument/2006/relationships" xmlns:p="http://schemas.openxmlformats.org/presentationml/2006/main">
+<p:tagLst xmlns:p="http://schemas.openxmlformats.org/presentationml/2006/main">
   <p:tag name="KSO_WM_BEAUTIFY_FLAG" val=""/>
 </p:tagLst>
 </file>
 
 <file path=ppt/tags/tag39.xml><?xml version="1.0" encoding="utf-8"?>
-<p:tagLst xmlns:a="http://schemas.openxmlformats.org/drawingml/2006/main" xmlns:r="http://schemas.openxmlformats.org/officeDocument/2006/relationships" xmlns:p="http://schemas.openxmlformats.org/presentationml/2006/main">
+<p:tagLst xmlns:p="http://schemas.openxmlformats.org/presentationml/2006/main">
   <p:tag name="KSO_WM_BEAUTIFY_FLAG" val=""/>
 </p:tagLst>
 </file>
 
 <file path=ppt/tags/tag4.xml><?xml version="1.0" encoding="utf-8"?>
-<p:tagLst xmlns:a="http://schemas.openxmlformats.org/drawingml/2006/main" xmlns:r="http://schemas.openxmlformats.org/officeDocument/2006/relationships" xmlns:p="http://schemas.openxmlformats.org/presentationml/2006/main">
+<p:tagLst xmlns:p="http://schemas.openxmlformats.org/presentationml/2006/main">
   <p:tag name="KSO_WM_BEAUTIFY_FLAG" val=""/>
 </p:tagLst>
 </file>
 
 <file path=ppt/tags/tag40.xml><?xml version="1.0" encoding="utf-8"?>
-<p:tagLst xmlns:a="http://schemas.openxmlformats.org/drawingml/2006/main" xmlns:r="http://schemas.openxmlformats.org/officeDocument/2006/relationships" xmlns:p="http://schemas.openxmlformats.org/presentationml/2006/main">
+<p:tagLst xmlns:p="http://schemas.openxmlformats.org/presentationml/2006/main">
   <p:tag name="KSO_WM_BEAUTIFY_FLAG" val=""/>
 </p:tagLst>
 </file>
 
 <file path=ppt/tags/tag41.xml><?xml version="1.0" encoding="utf-8"?>
-<p:tagLst xmlns:a="http://schemas.openxmlformats.org/drawingml/2006/main" xmlns:r="http://schemas.openxmlformats.org/officeDocument/2006/relationships" xmlns:p="http://schemas.openxmlformats.org/presentationml/2006/main">
+<p:tagLst xmlns:p="http://schemas.openxmlformats.org/presentationml/2006/main">
   <p:tag name="KSO_WM_BEAUTIFY_FLAG" val=""/>
 </p:tagLst>
 </file>
 
 <file path=ppt/tags/tag42.xml><?xml version="1.0" encoding="utf-8"?>
-<p:tagLst xmlns:a="http://schemas.openxmlformats.org/drawingml/2006/main" xmlns:r="http://schemas.openxmlformats.org/officeDocument/2006/relationships" xmlns:p="http://schemas.openxmlformats.org/presentationml/2006/main">
+<p:tagLst xmlns:p="http://schemas.openxmlformats.org/presentationml/2006/main">
   <p:tag name="KSO_WM_BEAUTIFY_FLAG" val=""/>
 </p:tagLst>
 </file>
 
 <file path=ppt/tags/tag43.xml><?xml version="1.0" encoding="utf-8"?>
-<p:tagLst xmlns:a="http://schemas.openxmlformats.org/drawingml/2006/main" xmlns:r="http://schemas.openxmlformats.org/officeDocument/2006/relationships" xmlns:p="http://schemas.openxmlformats.org/presentationml/2006/main">
+<p:tagLst xmlns:p="http://schemas.openxmlformats.org/presentationml/2006/main">
   <p:tag name="KSO_WM_BEAUTIFY_FLAG" val=""/>
 </p:tagLst>
 </file>
 
 <file path=ppt/tags/tag44.xml><?xml version="1.0" encoding="utf-8"?>
-<p:tagLst xmlns:a="http://schemas.openxmlformats.org/drawingml/2006/main" xmlns:r="http://schemas.openxmlformats.org/officeDocument/2006/relationships" xmlns:p="http://schemas.openxmlformats.org/presentationml/2006/main">
+<p:tagLst xmlns:p="http://schemas.openxmlformats.org/presentationml/2006/main">
   <p:tag name="KSO_WM_BEAUTIFY_FLAG" val=""/>
 </p:tagLst>
 </file>
 
 <file path=ppt/tags/tag45.xml><?xml version="1.0" encoding="utf-8"?>
-<p:tagLst xmlns:a="http://schemas.openxmlformats.org/drawingml/2006/main" xmlns:r="http://schemas.openxmlformats.org/officeDocument/2006/relationships" xmlns:p="http://schemas.openxmlformats.org/presentationml/2006/main">
+<p:tagLst xmlns:p="http://schemas.openxmlformats.org/presentationml/2006/main">
   <p:tag name="KSO_WM_BEAUTIFY_FLAG" val=""/>
 </p:tagLst>
 </file>
 
 <file path=ppt/tags/tag46.xml><?xml version="1.0" encoding="utf-8"?>
-<p:tagLst xmlns:a="http://schemas.openxmlformats.org/drawingml/2006/main" xmlns:r="http://schemas.openxmlformats.org/officeDocument/2006/relationships" xmlns:p="http://schemas.openxmlformats.org/presentationml/2006/main">
+<p:tagLst xmlns:p="http://schemas.openxmlformats.org/presentationml/2006/main">
   <p:tag name="KSO_WM_BEAUTIFY_FLAG" val=""/>
 </p:tagLst>
 </file>
 
 <file path=ppt/tags/tag47.xml><?xml version="1.0" encoding="utf-8"?>
-<p:tagLst xmlns:a="http://schemas.openxmlformats.org/drawingml/2006/main" xmlns:r="http://schemas.openxmlformats.org/officeDocument/2006/relationships" xmlns:p="http://schemas.openxmlformats.org/presentationml/2006/main">
+<p:tagLst xmlns:p="http://schemas.openxmlformats.org/presentationml/2006/main">
   <p:tag name="KSO_WM_BEAUTIFY_FLAG" val=""/>
 </p:tagLst>
 </file>
 
 <file path=ppt/tags/tag48.xml><?xml version="1.0" encoding="utf-8"?>
-<p:tagLst xmlns:a="http://schemas.openxmlformats.org/drawingml/2006/main" xmlns:r="http://schemas.openxmlformats.org/officeDocument/2006/relationships" xmlns:p="http://schemas.openxmlformats.org/presentationml/2006/main">
+<p:tagLst xmlns:p="http://schemas.openxmlformats.org/presentationml/2006/main">
   <p:tag name="KSO_WM_BEAUTIFY_FLAG" val=""/>
 </p:tagLst>
 </file>
 
 <file path=ppt/tags/tag49.xml><?xml version="1.0" encoding="utf-8"?>
-<p:tagLst xmlns:a="http://schemas.openxmlformats.org/drawingml/2006/main" xmlns:r="http://schemas.openxmlformats.org/officeDocument/2006/relationships" xmlns:p="http://schemas.openxmlformats.org/presentationml/2006/main">
+<p:tagLst xmlns:p="http://schemas.openxmlformats.org/presentationml/2006/main">
   <p:tag name="KSO_WM_BEAUTIFY_FLAG" val=""/>
 </p:tagLst>
 </file>
 
 <file path=ppt/tags/tag5.xml><?xml version="1.0" encoding="utf-8"?>
-<p:tagLst xmlns:a="http://schemas.openxmlformats.org/drawingml/2006/main" xmlns:r="http://schemas.openxmlformats.org/officeDocument/2006/relationships" xmlns:p="http://schemas.openxmlformats.org/presentationml/2006/main">
+<p:tagLst xmlns:p="http://schemas.openxmlformats.org/presentationml/2006/main">
   <p:tag name="KSO_WM_BEAUTIFY_FLAG" val=""/>
 </p:tagLst>
 </file>
 
 <file path=ppt/tags/tag50.xml><?xml version="1.0" encoding="utf-8"?>
-<p:tagLst xmlns:a="http://schemas.openxmlformats.org/drawingml/2006/main" xmlns:r="http://schemas.openxmlformats.org/officeDocument/2006/relationships" xmlns:p="http://schemas.openxmlformats.org/presentationml/2006/main">
+<p:tagLst xmlns:p="http://schemas.openxmlformats.org/presentationml/2006/main">
   <p:tag name="KSO_WM_BEAUTIFY_FLAG" val=""/>
 </p:tagLst>
 </file>
 
 <file path=ppt/tags/tag51.xml><?xml version="1.0" encoding="utf-8"?>
-<p:tagLst xmlns:a="http://schemas.openxmlformats.org/drawingml/2006/main" xmlns:r="http://schemas.openxmlformats.org/officeDocument/2006/relationships" xmlns:p="http://schemas.openxmlformats.org/presentationml/2006/main">
+<p:tagLst xmlns:p="http://schemas.openxmlformats.org/presentationml/2006/main">
   <p:tag name="KSO_WM_BEAUTIFY_FLAG" val=""/>
 </p:tagLst>
 </file>
 
 <file path=ppt/tags/tag52.xml><?xml version="1.0" encoding="utf-8"?>
-<p:tagLst xmlns:a="http://schemas.openxmlformats.org/drawingml/2006/main" xmlns:r="http://schemas.openxmlformats.org/officeDocument/2006/relationships" xmlns:p="http://schemas.openxmlformats.org/presentationml/2006/main">
+<p:tagLst xmlns:p="http://schemas.openxmlformats.org/presentationml/2006/main">
   <p:tag name="KSO_WM_BEAUTIFY_FLAG" val=""/>
 </p:tagLst>
 </file>
 
 <file path=ppt/tags/tag53.xml><?xml version="1.0" encoding="utf-8"?>
-<p:tagLst xmlns:a="http://schemas.openxmlformats.org/drawingml/2006/main" xmlns:r="http://schemas.openxmlformats.org/officeDocument/2006/relationships" xmlns:p="http://schemas.openxmlformats.org/presentationml/2006/main">
+<p:tagLst xmlns:p="http://schemas.openxmlformats.org/presentationml/2006/main">
   <p:tag name="KSO_WM_BEAUTIFY_FLAG" val=""/>
 </p:tagLst>
 </file>
 
 <file path=ppt/tags/tag54.xml><?xml version="1.0" encoding="utf-8"?>
-<p:tagLst xmlns:a="http://schemas.openxmlformats.org/drawingml/2006/main" xmlns:r="http://schemas.openxmlformats.org/officeDocument/2006/relationships" xmlns:p="http://schemas.openxmlformats.org/presentationml/2006/main">
+<p:tagLst xmlns:p="http://schemas.openxmlformats.org/presentationml/2006/main">
   <p:tag name="KSO_WM_BEAUTIFY_FLAG" val=""/>
 </p:tagLst>
 </file>
 
 <file path=ppt/tags/tag55.xml><?xml version="1.0" encoding="utf-8"?>
-<p:tagLst xmlns:a="http://schemas.openxmlformats.org/drawingml/2006/main" xmlns:r="http://schemas.openxmlformats.org/officeDocument/2006/relationships" xmlns:p="http://schemas.openxmlformats.org/presentationml/2006/main">
+<p:tagLst xmlns:p="http://schemas.openxmlformats.org/presentationml/2006/main">
   <p:tag name="KSO_WM_BEAUTIFY_FLAG" val=""/>
 </p:tagLst>
 </file>
 
 <file path=ppt/tags/tag56.xml><?xml version="1.0" encoding="utf-8"?>
-<p:tagLst xmlns:a="http://schemas.openxmlformats.org/drawingml/2006/main" xmlns:r="http://schemas.openxmlformats.org/officeDocument/2006/relationships" xmlns:p="http://schemas.openxmlformats.org/presentationml/2006/main">
+<p:tagLst xmlns:p="http://schemas.openxmlformats.org/presentationml/2006/main">
   <p:tag name="KSO_WM_BEAUTIFY_FLAG" val=""/>
 </p:tagLst>
 </file>
 
 <file path=ppt/tags/tag57.xml><?xml version="1.0" encoding="utf-8"?>
-<p:tagLst xmlns:a="http://schemas.openxmlformats.org/drawingml/2006/main" xmlns:r="http://schemas.openxmlformats.org/officeDocument/2006/relationships" xmlns:p="http://schemas.openxmlformats.org/presentationml/2006/main">
+<p:tagLst xmlns:p="http://schemas.openxmlformats.org/presentationml/2006/main">
   <p:tag name="KSO_WM_BEAUTIFY_FLAG" val=""/>
 </p:tagLst>
 </file>
 
 <file path=ppt/tags/tag58.xml><?xml version="1.0" encoding="utf-8"?>
-<p:tagLst xmlns:a="http://schemas.openxmlformats.org/drawingml/2006/main" xmlns:r="http://schemas.openxmlformats.org/officeDocument/2006/relationships" xmlns:p="http://schemas.openxmlformats.org/presentationml/2006/main">
+<p:tagLst xmlns:p="http://schemas.openxmlformats.org/presentationml/2006/main">
   <p:tag name="KSO_WM_BEAUTIFY_FLAG" val=""/>
 </p:tagLst>
 </file>
 
 <file path=ppt/tags/tag59.xml><?xml version="1.0" encoding="utf-8"?>
-<p:tagLst xmlns:a="http://schemas.openxmlformats.org/drawingml/2006/main" xmlns:r="http://schemas.openxmlformats.org/officeDocument/2006/relationships" xmlns:p="http://schemas.openxmlformats.org/presentationml/2006/main">
+<p:tagLst xmlns:p="http://schemas.openxmlformats.org/presentationml/2006/main">
   <p:tag name="KSO_WM_BEAUTIFY_FLAG" val=""/>
 </p:tagLst>
 </file>
 
 <file path=ppt/tags/tag6.xml><?xml version="1.0" encoding="utf-8"?>
-<p:tagLst xmlns:a="http://schemas.openxmlformats.org/drawingml/2006/main" xmlns:r="http://schemas.openxmlformats.org/officeDocument/2006/relationships" xmlns:p="http://schemas.openxmlformats.org/presentationml/2006/main">
+<p:tagLst xmlns:p="http://schemas.openxmlformats.org/presentationml/2006/main">
   <p:tag name="KSO_WM_BEAUTIFY_FLAG" val=""/>
 </p:tagLst>
 </file>
 
 <file path=ppt/tags/tag60.xml><?xml version="1.0" encoding="utf-8"?>
-<p:tagLst xmlns:a="http://schemas.openxmlformats.org/drawingml/2006/main" xmlns:r="http://schemas.openxmlformats.org/officeDocument/2006/relationships" xmlns:p="http://schemas.openxmlformats.org/presentationml/2006/main">
+<p:tagLst xmlns:p="http://schemas.openxmlformats.org/presentationml/2006/main">
   <p:tag name="KSO_WM_BEAUTIFY_FLAG" val=""/>
 </p:tagLst>
 </file>
 
 <file path=ppt/tags/tag61.xml><?xml version="1.0" encoding="utf-8"?>
-<p:tagLst xmlns:a="http://schemas.openxmlformats.org/drawingml/2006/main" xmlns:r="http://schemas.openxmlformats.org/officeDocument/2006/relationships" xmlns:p="http://schemas.openxmlformats.org/presentationml/2006/main">
+<p:tagLst xmlns:p="http://schemas.openxmlformats.org/presentationml/2006/main">
   <p:tag name="KSO_WM_BEAUTIFY_FLAG" val=""/>
 </p:tagLst>
 </file>
 
 <file path=ppt/tags/tag62.xml><?xml version="1.0" encoding="utf-8"?>
-<p:tagLst xmlns:a="http://schemas.openxmlformats.org/drawingml/2006/main" xmlns:r="http://schemas.openxmlformats.org/officeDocument/2006/relationships" xmlns:p="http://schemas.openxmlformats.org/presentationml/2006/main">
+<p:tagLst xmlns:p="http://schemas.openxmlformats.org/presentationml/2006/main">
   <p:tag name="KSO_WM_BEAUTIFY_FLAG" val=""/>
 </p:tagLst>
 </file>
 
 <file path=ppt/tags/tag63.xml><?xml version="1.0" encoding="utf-8"?>
-<p:tagLst xmlns:a="http://schemas.openxmlformats.org/drawingml/2006/main" xmlns:r="http://schemas.openxmlformats.org/officeDocument/2006/relationships" xmlns:p="http://schemas.openxmlformats.org/presentationml/2006/main">
+<p:tagLst xmlns:p="http://schemas.openxmlformats.org/presentationml/2006/main">
   <p:tag name="KSO_WM_BEAUTIFY_FLAG" val=""/>
 </p:tagLst>
 </file>
 
 <file path=ppt/tags/tag64.xml><?xml version="1.0" encoding="utf-8"?>
-<p:tagLst xmlns:a="http://schemas.openxmlformats.org/drawingml/2006/main" xmlns:r="http://schemas.openxmlformats.org/officeDocument/2006/relationships" xmlns:p="http://schemas.openxmlformats.org/presentationml/2006/main">
+<p:tagLst xmlns:p="http://schemas.openxmlformats.org/presentationml/2006/main">
   <p:tag name="KSO_WM_BEAUTIFY_FLAG" val=""/>
 </p:tagLst>
 </file>
 
 <file path=ppt/tags/tag65.xml><?xml version="1.0" encoding="utf-8"?>
-<p:tagLst xmlns:a="http://schemas.openxmlformats.org/drawingml/2006/main" xmlns:r="http://schemas.openxmlformats.org/officeDocument/2006/relationships" xmlns:p="http://schemas.openxmlformats.org/presentationml/2006/main">
+<p:tagLst xmlns:p="http://schemas.openxmlformats.org/presentationml/2006/main">
   <p:tag name="KSO_WM_BEAUTIFY_FLAG" val=""/>
 </p:tagLst>
 </file>
 
 <file path=ppt/tags/tag66.xml><?xml version="1.0" encoding="utf-8"?>
-<p:tagLst xmlns:a="http://schemas.openxmlformats.org/drawingml/2006/main" xmlns:r="http://schemas.openxmlformats.org/officeDocument/2006/relationships" xmlns:p="http://schemas.openxmlformats.org/presentationml/2006/main">
+<p:tagLst xmlns:p="http://schemas.openxmlformats.org/presentationml/2006/main">
   <p:tag name="KSO_WM_BEAUTIFY_FLAG" val=""/>
 </p:tagLst>
 </file>
 
 <file path=ppt/tags/tag67.xml><?xml version="1.0" encoding="utf-8"?>
-<p:tagLst xmlns:a="http://schemas.openxmlformats.org/drawingml/2006/main" xmlns:r="http://schemas.openxmlformats.org/officeDocument/2006/relationships" xmlns:p="http://schemas.openxmlformats.org/presentationml/2006/main">
+<p:tagLst xmlns:p="http://schemas.openxmlformats.org/presentationml/2006/main">
   <p:tag name="KSO_WM_BEAUTIFY_FLAG" val=""/>
 </p:tagLst>
 </file>
 
 <file path=ppt/tags/tag68.xml><?xml version="1.0" encoding="utf-8"?>
-<p:tagLst xmlns:a="http://schemas.openxmlformats.org/drawingml/2006/main" xmlns:r="http://schemas.openxmlformats.org/officeDocument/2006/relationships" xmlns:p="http://schemas.openxmlformats.org/presentationml/2006/main">
+<p:tagLst xmlns:p="http://schemas.openxmlformats.org/presentationml/2006/main">
   <p:tag name="KSO_WM_BEAUTIFY_FLAG" val=""/>
 </p:tagLst>
 </file>
 
 <file path=ppt/tags/tag69.xml><?xml version="1.0" encoding="utf-8"?>
-<p:tagLst xmlns:a="http://schemas.openxmlformats.org/drawingml/2006/main" xmlns:r="http://schemas.openxmlformats.org/officeDocument/2006/relationships" xmlns:p="http://schemas.openxmlformats.org/presentationml/2006/main">
+<p:tagLst xmlns:p="http://schemas.openxmlformats.org/presentationml/2006/main">
   <p:tag name="KSO_WM_BEAUTIFY_FLAG" val=""/>
 </p:tagLst>
 </file>
 
 <file path=ppt/tags/tag7.xml><?xml version="1.0" encoding="utf-8"?>
-<p:tagLst xmlns:a="http://schemas.openxmlformats.org/drawingml/2006/main" xmlns:r="http://schemas.openxmlformats.org/officeDocument/2006/relationships" xmlns:p="http://schemas.openxmlformats.org/presentationml/2006/main">
+<p:tagLst xmlns:p="http://schemas.openxmlformats.org/presentationml/2006/main">
   <p:tag name="KSO_WM_BEAUTIFY_FLAG" val=""/>
 </p:tagLst>
 </file>
 
+<file path=ppt/tags/tag70.xml><?xml version="1.0" encoding="utf-8"?>
+<p:tagLst xmlns:p="http://schemas.openxmlformats.org/presentationml/2006/main">
+  <p:tag name="COMMONDATA" val="eyJoZGlkIjoiNWExMDlkNmNlZjZjZTMyNjljYTdhNzVlZWI1NzRmMTYifQ=="/>
+</p:tagLst>
+</file>
+
 <file path=ppt/tags/tag8.xml><?xml version="1.0" encoding="utf-8"?>
-<p:tagLst xmlns:a="http://schemas.openxmlformats.org/drawingml/2006/main" xmlns:r="http://schemas.openxmlformats.org/officeDocument/2006/relationships" xmlns:p="http://schemas.openxmlformats.org/presentationml/2006/main">
+<p:tagLst xmlns:p="http://schemas.openxmlformats.org/presentationml/2006/main">
   <p:tag name="KSO_WM_BEAUTIFY_FLAG" val=""/>
 </p:tagLst>
 </file>
 
 <file path=ppt/tags/tag9.xml><?xml version="1.0" encoding="utf-8"?>
-<p:tagLst xmlns:a="http://schemas.openxmlformats.org/drawingml/2006/main" xmlns:r="http://schemas.openxmlformats.org/officeDocument/2006/relationships" xmlns:p="http://schemas.openxmlformats.org/presentationml/2006/main">
+<p:tagLst xmlns:p="http://schemas.openxmlformats.org/presentationml/2006/main">
   <p:tag name="KSO_WM_BEAUTIFY_FLAG" val=""/>
 </p:tagLst>
 </file>
@@ -33800,8 +34819,6 @@
       </a:bgFillStyleLst>
     </a:fmtScheme>
   </a:themeElements>
-  <a:objectDefaults/>
-  <a:extraClrSchemeLst/>
   <a:extLst>
     <a:ext uri="{05A4C25C-085E-4340-85A3-A5531E510DB2}">
       <thm15:themeFamily xmlns:thm15="http://schemas.microsoft.com/office/thememl/2012/main" name="Office Theme" id="{62F939B6-93AF-4DB8-9C6B-D6C7DFDC589F}" vid="{4A3C46E8-61CC-4603-A589-7422A47A8E4A}"/>
@@ -34061,8 +35078,6 @@
       </a:bgFillStyleLst>
     </a:fmtScheme>
   </a:themeElements>
-  <a:objectDefaults/>
-  <a:extraClrSchemeLst/>
   <a:extLst>
     <a:ext uri="{05A4C25C-085E-4340-85A3-A5531E510DB2}">
       <thm15:themeFamily xmlns:thm15="http://schemas.microsoft.com/office/thememl/2012/main" name="Office Theme" id="{62F939B6-93AF-4DB8-9C6B-D6C7DFDC589F}" vid="{4A3C46E8-61CC-4603-A589-7422A47A8E4A}"/>
@@ -34322,8 +35337,6 @@
       </a:bgFillStyleLst>
     </a:fmtScheme>
   </a:themeElements>
-  <a:objectDefaults/>
-  <a:extraClrSchemeLst/>
   <a:extLst>
     <a:ext uri="{05A4C25C-085E-4340-85A3-A5531E510DB2}">
       <thm15:themeFamily xmlns:thm15="http://schemas.microsoft.com/office/thememl/2012/main" name="Office Theme" id="{62F939B6-93AF-4DB8-9C6B-D6C7DFDC589F}" vid="{4A3C46E8-61CC-4603-A589-7422A47A8E4A}"/>

--- a/report/汇报.pptx
+++ b/report/汇报.pptx
@@ -2148,22 +2148,7 @@
                       <a:cs typeface="OPPOSans M" panose="00020600040101010101" pitchFamily="18" charset="-122"/>
                       <a:sym typeface="OPPOSans M" panose="00020600040101010101" pitchFamily="18" charset="-122"/>
                     </a:rPr>
-                    <a:t>汇报人：第</a:t>
-                  </a:r>
-                  <a:r>
-                    <a:rPr lang="en-US" altLang="zh-CN" sz="1600" dirty="0">
-                      <a:solidFill>
-                        <a:schemeClr val="tx1">
-                          <a:lumMod val="75000"/>
-                          <a:lumOff val="25000"/>
-                        </a:schemeClr>
-                      </a:solidFill>
-                      <a:latin typeface="OPPOSans M" panose="00020600040101010101" pitchFamily="18" charset="-122"/>
-                      <a:ea typeface="OPPOSans M" panose="00020600040101010101" pitchFamily="18" charset="-122"/>
-                      <a:cs typeface="OPPOSans M" panose="00020600040101010101" pitchFamily="18" charset="-122"/>
-                      <a:sym typeface="OPPOSans M" panose="00020600040101010101" pitchFamily="18" charset="-122"/>
-                    </a:rPr>
-                    <a:t>12</a:t>
+                    <a:t>指导老师：张艳</a:t>
                   </a:r>
                   <a:r>
                     <a:rPr lang="zh-CN" altLang="en-US" sz="1600" dirty="0">
@@ -2178,7 +2163,7 @@
                       <a:cs typeface="OPPOSans M" panose="00020600040101010101" pitchFamily="18" charset="-122"/>
                       <a:sym typeface="OPPOSans M" panose="00020600040101010101" pitchFamily="18" charset="-122"/>
                     </a:rPr>
-                    <a:t>组</a:t>
+                    <a:t>婷</a:t>
                   </a:r>
                   <a:endParaRPr lang="zh-CN" altLang="en-US" sz="1600" dirty="0">
                     <a:solidFill>
@@ -3526,6 +3511,144 @@
           </p:txBody>
         </p:sp>
       </p:grpSp>
+      <p:sp>
+        <p:nvSpPr>
+          <p:cNvPr id="3" name="矩形 2"/>
+          <p:cNvSpPr/>
+          <p:nvPr>
+            <p:custDataLst>
+              <p:tags r:id="rId1"/>
+            </p:custDataLst>
+          </p:nvPr>
+        </p:nvSpPr>
+        <p:spPr>
+          <a:xfrm>
+            <a:off x="1239101" y="4788102"/>
+            <a:ext cx="190500" cy="190500"/>
+          </a:xfrm>
+          <a:prstGeom prst="rect">
+            <a:avLst/>
+          </a:prstGeom>
+          <a:solidFill>
+            <a:schemeClr val="accent1"/>
+          </a:solidFill>
+          <a:ln>
+            <a:noFill/>
+          </a:ln>
+        </p:spPr>
+        <p:style>
+          <a:lnRef idx="0">
+            <a:scrgbClr r="0" g="0" b="0"/>
+          </a:lnRef>
+          <a:fillRef idx="0">
+            <a:scrgbClr r="0" g="0" b="0"/>
+          </a:fillRef>
+          <a:effectRef idx="0">
+            <a:scrgbClr r="0" g="0" b="0"/>
+          </a:effectRef>
+          <a:fontRef idx="minor">
+            <a:schemeClr val="lt1"/>
+          </a:fontRef>
+        </p:style>
+        <p:txBody>
+          <a:bodyPr rtlCol="0" anchor="ctr"/>
+          <a:p>
+            <a:pPr algn="ctr"/>
+            <a:endParaRPr lang="zh-CN" altLang="en-US">
+              <a:latin typeface="OPPOSans M" panose="00020600040101010101" pitchFamily="18" charset="-122"/>
+              <a:ea typeface="OPPOSans M" panose="00020600040101010101" pitchFamily="18" charset="-122"/>
+              <a:cs typeface="OPPOSans M" panose="00020600040101010101" pitchFamily="18" charset="-122"/>
+              <a:sym typeface="OPPOSans M" panose="00020600040101010101" pitchFamily="18" charset="-122"/>
+            </a:endParaRPr>
+          </a:p>
+        </p:txBody>
+      </p:sp>
+      <p:sp>
+        <p:nvSpPr>
+          <p:cNvPr id="5" name="文本框 4"/>
+          <p:cNvSpPr txBox="1"/>
+          <p:nvPr>
+            <p:custDataLst>
+              <p:tags r:id="rId2"/>
+            </p:custDataLst>
+          </p:nvPr>
+        </p:nvSpPr>
+        <p:spPr>
+          <a:xfrm>
+            <a:off x="1442936" y="4715077"/>
+            <a:ext cx="2040890" cy="337185"/>
+          </a:xfrm>
+          <a:prstGeom prst="rect">
+            <a:avLst/>
+          </a:prstGeom>
+          <a:noFill/>
+        </p:spPr>
+        <p:txBody>
+          <a:bodyPr wrap="square" rtlCol="0">
+            <a:spAutoFit/>
+          </a:bodyPr>
+          <a:p>
+            <a:pPr algn="l"/>
+            <a:r>
+              <a:rPr lang="zh-CN" altLang="en-US" sz="1600" dirty="0">
+                <a:solidFill>
+                  <a:schemeClr val="tx1">
+                    <a:lumMod val="75000"/>
+                    <a:lumOff val="25000"/>
+                  </a:schemeClr>
+                </a:solidFill>
+                <a:latin typeface="OPPOSans M" panose="00020600040101010101" pitchFamily="18" charset="-122"/>
+                <a:ea typeface="OPPOSans M" panose="00020600040101010101" pitchFamily="18" charset="-122"/>
+                <a:cs typeface="OPPOSans M" panose="00020600040101010101" pitchFamily="18" charset="-122"/>
+                <a:sym typeface="OPPOSans M" panose="00020600040101010101" pitchFamily="18" charset="-122"/>
+              </a:rPr>
+              <a:t>汇报人：第</a:t>
+            </a:r>
+            <a:r>
+              <a:rPr lang="en-US" altLang="zh-CN" sz="1600" dirty="0">
+                <a:solidFill>
+                  <a:schemeClr val="tx1">
+                    <a:lumMod val="75000"/>
+                    <a:lumOff val="25000"/>
+                  </a:schemeClr>
+                </a:solidFill>
+                <a:latin typeface="OPPOSans M" panose="00020600040101010101" pitchFamily="18" charset="-122"/>
+                <a:ea typeface="OPPOSans M" panose="00020600040101010101" pitchFamily="18" charset="-122"/>
+                <a:cs typeface="OPPOSans M" panose="00020600040101010101" pitchFamily="18" charset="-122"/>
+                <a:sym typeface="OPPOSans M" panose="00020600040101010101" pitchFamily="18" charset="-122"/>
+              </a:rPr>
+              <a:t>12</a:t>
+            </a:r>
+            <a:r>
+              <a:rPr lang="zh-CN" altLang="en-US" sz="1600" dirty="0">
+                <a:solidFill>
+                  <a:schemeClr val="tx1">
+                    <a:lumMod val="75000"/>
+                    <a:lumOff val="25000"/>
+                  </a:schemeClr>
+                </a:solidFill>
+                <a:latin typeface="OPPOSans M" panose="00020600040101010101" pitchFamily="18" charset="-122"/>
+                <a:ea typeface="OPPOSans M" panose="00020600040101010101" pitchFamily="18" charset="-122"/>
+                <a:cs typeface="OPPOSans M" panose="00020600040101010101" pitchFamily="18" charset="-122"/>
+                <a:sym typeface="OPPOSans M" panose="00020600040101010101" pitchFamily="18" charset="-122"/>
+              </a:rPr>
+              <a:t>组</a:t>
+            </a:r>
+            <a:endParaRPr lang="zh-CN" altLang="en-US" sz="1600" dirty="0">
+              <a:solidFill>
+                <a:schemeClr val="tx1">
+                  <a:lumMod val="75000"/>
+                  <a:lumOff val="25000"/>
+                </a:schemeClr>
+              </a:solidFill>
+              <a:latin typeface="OPPOSans M" panose="00020600040101010101" pitchFamily="18" charset="-122"/>
+              <a:ea typeface="OPPOSans M" panose="00020600040101010101" pitchFamily="18" charset="-122"/>
+              <a:cs typeface="OPPOSans M" panose="00020600040101010101" pitchFamily="18" charset="-122"/>
+              <a:sym typeface="OPPOSans M" panose="00020600040101010101" pitchFamily="18" charset="-122"/>
+            </a:endParaRPr>
+          </a:p>
+        </p:txBody>
+      </p:sp>
     </p:spTree>
   </p:cSld>
   <p:clrMapOvr>
@@ -34234,25 +34357,25 @@
 
 <file path=ppt/tags/tag22.xml><?xml version="1.0" encoding="utf-8"?>
 <p:tagLst xmlns:p="http://schemas.openxmlformats.org/presentationml/2006/main">
-  <p:tag name="PA" val="v5.2.9"/>
+  <p:tag name="KSO_WM_BEAUTIFY_FLAG" val=""/>
 </p:tagLst>
 </file>
 
 <file path=ppt/tags/tag23.xml><?xml version="1.0" encoding="utf-8"?>
 <p:tagLst xmlns:p="http://schemas.openxmlformats.org/presentationml/2006/main">
-  <p:tag name="PA" val="v5.2.9"/>
+  <p:tag name="KSO_WM_BEAUTIFY_FLAG" val=""/>
 </p:tagLst>
 </file>
 
 <file path=ppt/tags/tag24.xml><?xml version="1.0" encoding="utf-8"?>
 <p:tagLst xmlns:p="http://schemas.openxmlformats.org/presentationml/2006/main">
-  <p:tag name="KSO_WM_BEAUTIFY_FLAG" val=""/>
+  <p:tag name="PA" val="v5.2.9"/>
 </p:tagLst>
 </file>
 
 <file path=ppt/tags/tag25.xml><?xml version="1.0" encoding="utf-8"?>
 <p:tagLst xmlns:p="http://schemas.openxmlformats.org/presentationml/2006/main">
-  <p:tag name="KSO_WM_BEAUTIFY_FLAG" val=""/>
+  <p:tag name="PA" val="v5.2.9"/>
 </p:tagLst>
 </file>
 
@@ -34551,6 +34674,18 @@
 </file>
 
 <file path=ppt/tags/tag70.xml><?xml version="1.0" encoding="utf-8"?>
+<p:tagLst xmlns:p="http://schemas.openxmlformats.org/presentationml/2006/main">
+  <p:tag name="KSO_WM_BEAUTIFY_FLAG" val=""/>
+</p:tagLst>
+</file>
+
+<file path=ppt/tags/tag71.xml><?xml version="1.0" encoding="utf-8"?>
+<p:tagLst xmlns:p="http://schemas.openxmlformats.org/presentationml/2006/main">
+  <p:tag name="KSO_WM_BEAUTIFY_FLAG" val=""/>
+</p:tagLst>
+</file>
+
+<file path=ppt/tags/tag72.xml><?xml version="1.0" encoding="utf-8"?>
 <p:tagLst xmlns:p="http://schemas.openxmlformats.org/presentationml/2006/main">
   <p:tag name="COMMONDATA" val="eyJoZGlkIjoiNWExMDlkNmNlZjZjZTMyNjljYTdhNzVlZWI1NzRmMTYifQ=="/>
 </p:tagLst>
